--- a/2018-12-16/[PRD-15]UML基础IIII.pptx
+++ b/2018-12-16/[PRD-15]UML基础IIII.pptx
@@ -5,7 +5,7 @@
     <p:sldMasterId id="2147483648" r:id="rId1"/>
   </p:sldMasterIdLst>
   <p:notesMasterIdLst>
-    <p:notesMasterId r:id="rId20"/>
+    <p:notesMasterId r:id="rId22"/>
   </p:notesMasterIdLst>
   <p:sldIdLst>
     <p:sldId id="318" r:id="rId2"/>
@@ -17,15 +17,17 @@
     <p:sldId id="321" r:id="rId8"/>
     <p:sldId id="322" r:id="rId9"/>
     <p:sldId id="323" r:id="rId10"/>
-    <p:sldId id="324" r:id="rId11"/>
-    <p:sldId id="277" r:id="rId12"/>
-    <p:sldId id="395" r:id="rId13"/>
-    <p:sldId id="389" r:id="rId14"/>
-    <p:sldId id="391" r:id="rId15"/>
-    <p:sldId id="392" r:id="rId16"/>
-    <p:sldId id="394" r:id="rId17"/>
-    <p:sldId id="325" r:id="rId18"/>
-    <p:sldId id="276" r:id="rId19"/>
+    <p:sldId id="306" r:id="rId11"/>
+    <p:sldId id="307" r:id="rId12"/>
+    <p:sldId id="324" r:id="rId13"/>
+    <p:sldId id="277" r:id="rId14"/>
+    <p:sldId id="395" r:id="rId15"/>
+    <p:sldId id="389" r:id="rId16"/>
+    <p:sldId id="391" r:id="rId17"/>
+    <p:sldId id="392" r:id="rId18"/>
+    <p:sldId id="394" r:id="rId19"/>
+    <p:sldId id="325" r:id="rId20"/>
+    <p:sldId id="276" r:id="rId21"/>
   </p:sldIdLst>
   <p:sldSz cx="12192000" cy="6858000"/>
   <p:notesSz cx="6858000" cy="9144000"/>
@@ -214,7 +216,7 @@
           <a:p>
             <a:fld id="{85E965D1-5AFF-481E-87DD-1D4AA0E16118}" type="datetimeFigureOut">
               <a:rPr lang="zh-CN" altLang="en-US" smtClean="0"/>
-              <a:t>2018/12/23</a:t>
+              <a:t>2018/12/24</a:t>
             </a:fld>
             <a:endParaRPr lang="zh-CN" altLang="en-US"/>
           </a:p>
@@ -1685,9 +1687,167 @@
           <a:bodyPr/>
           <a:lstStyle/>
           <a:p>
+            <a:fld id="{D03F297A-3586-2847-B61B-EC71B10EF806}" type="slidenum">
+              <a:rPr kumimoji="1" lang="zh-CN" altLang="en-US" smtClean="0"/>
+              <a:t>10</a:t>
+            </a:fld>
+            <a:endParaRPr kumimoji="1" lang="zh-CN" altLang="en-US"/>
+          </a:p>
+        </p:txBody>
+      </p:sp>
+    </p:spTree>
+  </p:cSld>
+  <p:clrMapOvr>
+    <a:masterClrMapping/>
+  </p:clrMapOvr>
+</p:notes>
+</file>
+
+<file path=ppt/notesSlides/notesSlide7.xml><?xml version="1.0" encoding="utf-8"?>
+<p:notes xmlns:a="http://schemas.openxmlformats.org/drawingml/2006/main" xmlns:r="http://schemas.openxmlformats.org/officeDocument/2006/relationships" xmlns:p="http://schemas.openxmlformats.org/presentationml/2006/main">
+  <p:cSld>
+    <p:spTree>
+      <p:nvGrpSpPr>
+        <p:cNvPr id="1" name=""/>
+        <p:cNvGrpSpPr/>
+        <p:nvPr/>
+      </p:nvGrpSpPr>
+      <p:grpSpPr>
+        <a:xfrm>
+          <a:off x="0" y="0"/>
+          <a:ext cx="0" cy="0"/>
+          <a:chOff x="0" y="0"/>
+          <a:chExt cx="0" cy="0"/>
+        </a:xfrm>
+      </p:grpSpPr>
+      <p:sp>
+        <p:nvSpPr>
+          <p:cNvPr id="2" name="幻灯片图像占位符 1"/>
+          <p:cNvSpPr>
+            <a:spLocks noGrp="1" noRot="1" noChangeAspect="1"/>
+          </p:cNvSpPr>
+          <p:nvPr>
+            <p:ph type="sldImg"/>
+          </p:nvPr>
+        </p:nvSpPr>
+        <p:spPr/>
+      </p:sp>
+      <p:sp>
+        <p:nvSpPr>
+          <p:cNvPr id="3" name="备注占位符 2"/>
+          <p:cNvSpPr>
+            <a:spLocks noGrp="1"/>
+          </p:cNvSpPr>
+          <p:nvPr>
+            <p:ph type="body" idx="1"/>
+          </p:nvPr>
+        </p:nvSpPr>
+        <p:spPr/>
+        <p:txBody>
+          <a:bodyPr/>
+          <a:lstStyle/>
+          <a:p>
+            <a:endParaRPr kumimoji="1" lang="zh-CN" altLang="en-US" dirty="0"/>
+          </a:p>
+        </p:txBody>
+      </p:sp>
+      <p:sp>
+        <p:nvSpPr>
+          <p:cNvPr id="4" name="灯片编号占位符 3"/>
+          <p:cNvSpPr>
+            <a:spLocks noGrp="1"/>
+          </p:cNvSpPr>
+          <p:nvPr>
+            <p:ph type="sldNum" sz="quarter" idx="5"/>
+          </p:nvPr>
+        </p:nvSpPr>
+        <p:spPr/>
+        <p:txBody>
+          <a:bodyPr/>
+          <a:lstStyle/>
+          <a:p>
+            <a:fld id="{D03F297A-3586-2847-B61B-EC71B10EF806}" type="slidenum">
+              <a:rPr kumimoji="1" lang="zh-CN" altLang="en-US" smtClean="0"/>
+              <a:t>11</a:t>
+            </a:fld>
+            <a:endParaRPr kumimoji="1" lang="zh-CN" altLang="en-US"/>
+          </a:p>
+        </p:txBody>
+      </p:sp>
+    </p:spTree>
+  </p:cSld>
+  <p:clrMapOvr>
+    <a:masterClrMapping/>
+  </p:clrMapOvr>
+</p:notes>
+</file>
+
+<file path=ppt/notesSlides/notesSlide8.xml><?xml version="1.0" encoding="utf-8"?>
+<p:notes xmlns:a="http://schemas.openxmlformats.org/drawingml/2006/main" xmlns:r="http://schemas.openxmlformats.org/officeDocument/2006/relationships" xmlns:p="http://schemas.openxmlformats.org/presentationml/2006/main">
+  <p:cSld>
+    <p:spTree>
+      <p:nvGrpSpPr>
+        <p:cNvPr id="1" name=""/>
+        <p:cNvGrpSpPr/>
+        <p:nvPr/>
+      </p:nvGrpSpPr>
+      <p:grpSpPr>
+        <a:xfrm>
+          <a:off x="0" y="0"/>
+          <a:ext cx="0" cy="0"/>
+          <a:chOff x="0" y="0"/>
+          <a:chExt cx="0" cy="0"/>
+        </a:xfrm>
+      </p:grpSpPr>
+      <p:sp>
+        <p:nvSpPr>
+          <p:cNvPr id="2" name="幻灯片图像占位符 1"/>
+          <p:cNvSpPr>
+            <a:spLocks noGrp="1" noRot="1" noChangeAspect="1"/>
+          </p:cNvSpPr>
+          <p:nvPr>
+            <p:ph type="sldImg"/>
+          </p:nvPr>
+        </p:nvSpPr>
+        <p:spPr/>
+      </p:sp>
+      <p:sp>
+        <p:nvSpPr>
+          <p:cNvPr id="3" name="备注占位符 2"/>
+          <p:cNvSpPr>
+            <a:spLocks noGrp="1"/>
+          </p:cNvSpPr>
+          <p:nvPr>
+            <p:ph type="body" idx="1"/>
+          </p:nvPr>
+        </p:nvSpPr>
+        <p:spPr/>
+        <p:txBody>
+          <a:bodyPr/>
+          <a:lstStyle/>
+          <a:p>
+            <a:endParaRPr kumimoji="1" lang="zh-CN" altLang="en-US" dirty="0"/>
+          </a:p>
+        </p:txBody>
+      </p:sp>
+      <p:sp>
+        <p:nvSpPr>
+          <p:cNvPr id="4" name="灯片编号占位符 3"/>
+          <p:cNvSpPr>
+            <a:spLocks noGrp="1"/>
+          </p:cNvSpPr>
+          <p:nvPr>
+            <p:ph type="sldNum" sz="quarter" idx="5"/>
+          </p:nvPr>
+        </p:nvSpPr>
+        <p:spPr/>
+        <p:txBody>
+          <a:bodyPr/>
+          <a:lstStyle/>
+          <a:p>
             <a:fld id="{74B31000-9408-426B-B873-D4C066E48AF8}" type="slidenum">
               <a:rPr lang="zh-CN" altLang="en-US" smtClean="0"/>
-              <a:t>17</a:t>
+              <a:t>19</a:t>
             </a:fld>
             <a:endParaRPr lang="zh-CN" altLang="en-US"/>
           </a:p>
@@ -1848,7 +2008,7 @@
           <a:p>
             <a:fld id="{AEB61CDC-E34C-4601-928D-92E01F26597B}" type="datetimeFigureOut">
               <a:rPr lang="zh-CN" altLang="en-US" smtClean="0"/>
-              <a:t>2018/12/23</a:t>
+              <a:t>2018/12/24</a:t>
             </a:fld>
             <a:endParaRPr lang="zh-CN" altLang="en-US"/>
           </a:p>
@@ -2046,7 +2206,7 @@
           <a:p>
             <a:fld id="{AEB61CDC-E34C-4601-928D-92E01F26597B}" type="datetimeFigureOut">
               <a:rPr lang="zh-CN" altLang="en-US" smtClean="0"/>
-              <a:t>2018/12/23</a:t>
+              <a:t>2018/12/24</a:t>
             </a:fld>
             <a:endParaRPr lang="zh-CN" altLang="en-US"/>
           </a:p>
@@ -2254,7 +2414,7 @@
           <a:p>
             <a:fld id="{AEB61CDC-E34C-4601-928D-92E01F26597B}" type="datetimeFigureOut">
               <a:rPr lang="zh-CN" altLang="en-US" smtClean="0"/>
-              <a:t>2018/12/23</a:t>
+              <a:t>2018/12/24</a:t>
             </a:fld>
             <a:endParaRPr lang="zh-CN" altLang="en-US"/>
           </a:p>
@@ -2482,7 +2642,7 @@
           <a:p>
             <a:fld id="{AEB61CDC-E34C-4601-928D-92E01F26597B}" type="datetimeFigureOut">
               <a:rPr lang="zh-CN" altLang="en-US" smtClean="0"/>
-              <a:t>2018/12/23</a:t>
+              <a:t>2018/12/24</a:t>
             </a:fld>
             <a:endParaRPr lang="zh-CN" altLang="en-US"/>
           </a:p>
@@ -2757,7 +2917,7 @@
           <a:p>
             <a:fld id="{AEB61CDC-E34C-4601-928D-92E01F26597B}" type="datetimeFigureOut">
               <a:rPr lang="zh-CN" altLang="en-US" smtClean="0"/>
-              <a:t>2018/12/23</a:t>
+              <a:t>2018/12/24</a:t>
             </a:fld>
             <a:endParaRPr lang="zh-CN" altLang="en-US"/>
           </a:p>
@@ -3022,7 +3182,7 @@
           <a:p>
             <a:fld id="{AEB61CDC-E34C-4601-928D-92E01F26597B}" type="datetimeFigureOut">
               <a:rPr lang="zh-CN" altLang="en-US" smtClean="0"/>
-              <a:t>2018/12/23</a:t>
+              <a:t>2018/12/24</a:t>
             </a:fld>
             <a:endParaRPr lang="zh-CN" altLang="en-US"/>
           </a:p>
@@ -3434,7 +3594,7 @@
           <a:p>
             <a:fld id="{AEB61CDC-E34C-4601-928D-92E01F26597B}" type="datetimeFigureOut">
               <a:rPr lang="zh-CN" altLang="en-US" smtClean="0"/>
-              <a:t>2018/12/23</a:t>
+              <a:t>2018/12/24</a:t>
             </a:fld>
             <a:endParaRPr lang="zh-CN" altLang="en-US"/>
           </a:p>
@@ -3575,7 +3735,7 @@
           <a:p>
             <a:fld id="{AEB61CDC-E34C-4601-928D-92E01F26597B}" type="datetimeFigureOut">
               <a:rPr lang="zh-CN" altLang="en-US" smtClean="0"/>
-              <a:t>2018/12/23</a:t>
+              <a:t>2018/12/24</a:t>
             </a:fld>
             <a:endParaRPr lang="zh-CN" altLang="en-US"/>
           </a:p>
@@ -3688,7 +3848,7 @@
           <a:p>
             <a:fld id="{AEB61CDC-E34C-4601-928D-92E01F26597B}" type="datetimeFigureOut">
               <a:rPr lang="zh-CN" altLang="en-US" smtClean="0"/>
-              <a:t>2018/12/23</a:t>
+              <a:t>2018/12/24</a:t>
             </a:fld>
             <a:endParaRPr lang="zh-CN" altLang="en-US"/>
           </a:p>
@@ -3999,7 +4159,7 @@
           <a:p>
             <a:fld id="{AEB61CDC-E34C-4601-928D-92E01F26597B}" type="datetimeFigureOut">
               <a:rPr lang="zh-CN" altLang="en-US" smtClean="0"/>
-              <a:t>2018/12/23</a:t>
+              <a:t>2018/12/24</a:t>
             </a:fld>
             <a:endParaRPr lang="zh-CN" altLang="en-US"/>
           </a:p>
@@ -4287,7 +4447,7 @@
           <a:p>
             <a:fld id="{AEB61CDC-E34C-4601-928D-92E01F26597B}" type="datetimeFigureOut">
               <a:rPr lang="zh-CN" altLang="en-US" smtClean="0"/>
-              <a:t>2018/12/23</a:t>
+              <a:t>2018/12/24</a:t>
             </a:fld>
             <a:endParaRPr lang="zh-CN" altLang="en-US"/>
           </a:p>
@@ -4528,7 +4688,7 @@
           <a:p>
             <a:fld id="{AEB61CDC-E34C-4601-928D-92E01F26597B}" type="datetimeFigureOut">
               <a:rPr lang="zh-CN" altLang="en-US" smtClean="0"/>
-              <a:t>2018/12/23</a:t>
+              <a:t>2018/12/24</a:t>
             </a:fld>
             <a:endParaRPr lang="zh-CN" altLang="en-US"/>
           </a:p>
@@ -5399,6 +5559,1310 @@
       </p:grpSpPr>
       <p:sp>
         <p:nvSpPr>
+          <p:cNvPr id="17" name="椭圆 16"/>
+          <p:cNvSpPr/>
+          <p:nvPr/>
+        </p:nvSpPr>
+        <p:spPr>
+          <a:xfrm>
+            <a:off x="-1226820" y="-1346917"/>
+            <a:ext cx="2453640" cy="2453640"/>
+          </a:xfrm>
+          <a:prstGeom prst="ellipse">
+            <a:avLst/>
+          </a:prstGeom>
+          <a:solidFill>
+            <a:srgbClr val="48A2A0">
+              <a:alpha val="70000"/>
+            </a:srgbClr>
+          </a:solidFill>
+          <a:ln>
+            <a:noFill/>
+          </a:ln>
+        </p:spPr>
+        <p:style>
+          <a:lnRef idx="2">
+            <a:schemeClr val="accent1">
+              <a:shade val="50000"/>
+            </a:schemeClr>
+          </a:lnRef>
+          <a:fillRef idx="1">
+            <a:schemeClr val="accent1"/>
+          </a:fillRef>
+          <a:effectRef idx="0">
+            <a:schemeClr val="accent1"/>
+          </a:effectRef>
+          <a:fontRef idx="minor">
+            <a:schemeClr val="lt1"/>
+          </a:fontRef>
+        </p:style>
+        <p:txBody>
+          <a:bodyPr rtlCol="0" anchor="ctr"/>
+          <a:lstStyle/>
+          <a:p>
+            <a:pPr algn="ctr"/>
+            <a:endParaRPr lang="zh-CN" altLang="en-US"/>
+          </a:p>
+        </p:txBody>
+      </p:sp>
+      <p:sp>
+        <p:nvSpPr>
+          <p:cNvPr id="18" name="椭圆 17"/>
+          <p:cNvSpPr/>
+          <p:nvPr/>
+        </p:nvSpPr>
+        <p:spPr>
+          <a:xfrm>
+            <a:off x="434235" y="314138"/>
+            <a:ext cx="792585" cy="792585"/>
+          </a:xfrm>
+          <a:prstGeom prst="ellipse">
+            <a:avLst/>
+          </a:prstGeom>
+          <a:solidFill>
+            <a:srgbClr val="6C92C0">
+              <a:alpha val="70000"/>
+            </a:srgbClr>
+          </a:solidFill>
+          <a:ln>
+            <a:noFill/>
+          </a:ln>
+        </p:spPr>
+        <p:style>
+          <a:lnRef idx="2">
+            <a:schemeClr val="accent1">
+              <a:shade val="50000"/>
+            </a:schemeClr>
+          </a:lnRef>
+          <a:fillRef idx="1">
+            <a:schemeClr val="accent1"/>
+          </a:fillRef>
+          <a:effectRef idx="0">
+            <a:schemeClr val="accent1"/>
+          </a:effectRef>
+          <a:fontRef idx="minor">
+            <a:schemeClr val="lt1"/>
+          </a:fontRef>
+        </p:style>
+        <p:txBody>
+          <a:bodyPr rtlCol="0" anchor="ctr"/>
+          <a:lstStyle/>
+          <a:p>
+            <a:pPr algn="ctr"/>
+            <a:endParaRPr lang="zh-CN" altLang="en-US"/>
+          </a:p>
+        </p:txBody>
+      </p:sp>
+      <p:sp>
+        <p:nvSpPr>
+          <p:cNvPr id="20" name="矩形 19"/>
+          <p:cNvSpPr/>
+          <p:nvPr/>
+        </p:nvSpPr>
+        <p:spPr>
+          <a:xfrm>
+            <a:off x="1344023" y="363675"/>
+            <a:ext cx="2066591" cy="461665"/>
+          </a:xfrm>
+          <a:prstGeom prst="rect">
+            <a:avLst/>
+          </a:prstGeom>
+        </p:spPr>
+        <p:txBody>
+          <a:bodyPr wrap="none">
+            <a:spAutoFit/>
+          </a:bodyPr>
+          <a:lstStyle/>
+          <a:p>
+            <a:r>
+              <a:rPr lang="en-US" altLang="zh-CN" sz="2400" b="1" dirty="0">
+                <a:solidFill>
+                  <a:schemeClr val="tx1">
+                    <a:lumMod val="75000"/>
+                    <a:lumOff val="25000"/>
+                  </a:schemeClr>
+                </a:solidFill>
+              </a:rPr>
+              <a:t>UML——</a:t>
+            </a:r>
+            <a:r>
+              <a:rPr lang="zh-CN" altLang="en-US" sz="2400" b="1" dirty="0">
+                <a:solidFill>
+                  <a:schemeClr val="tx1">
+                    <a:lumMod val="75000"/>
+                    <a:lumOff val="25000"/>
+                  </a:schemeClr>
+                </a:solidFill>
+              </a:rPr>
+              <a:t>类图</a:t>
+            </a:r>
+          </a:p>
+        </p:txBody>
+      </p:sp>
+      <p:sp>
+        <p:nvSpPr>
+          <p:cNvPr id="2" name="文本框 1"/>
+          <p:cNvSpPr txBox="1"/>
+          <p:nvPr/>
+        </p:nvSpPr>
+        <p:spPr>
+          <a:xfrm>
+            <a:off x="1226820" y="1145947"/>
+            <a:ext cx="9187130" cy="954107"/>
+          </a:xfrm>
+          <a:prstGeom prst="rect">
+            <a:avLst/>
+          </a:prstGeom>
+          <a:noFill/>
+        </p:spPr>
+        <p:txBody>
+          <a:bodyPr wrap="none" rtlCol="0">
+            <a:spAutoFit/>
+          </a:bodyPr>
+          <a:lstStyle/>
+          <a:p>
+            <a:r>
+              <a:rPr lang="zh-CN" altLang="en-US" sz="2000" b="1" dirty="0">
+                <a:solidFill>
+                  <a:srgbClr val="48A2A0"/>
+                </a:solidFill>
+              </a:rPr>
+              <a:t>类图（</a:t>
+            </a:r>
+            <a:r>
+              <a:rPr lang="en-GB" altLang="zh-CN" sz="2000" b="1" dirty="0">
+                <a:solidFill>
+                  <a:srgbClr val="48A2A0"/>
+                </a:solidFill>
+              </a:rPr>
+              <a:t>Class Diagram</a:t>
+            </a:r>
+            <a:r>
+              <a:rPr lang="zh-CN" altLang="en-GB" sz="2000" b="1" dirty="0">
+                <a:solidFill>
+                  <a:srgbClr val="48A2A0"/>
+                </a:solidFill>
+              </a:rPr>
+              <a:t>）</a:t>
+            </a:r>
+            <a:endParaRPr lang="en-GB" altLang="zh-CN" sz="2000" b="1" dirty="0">
+              <a:solidFill>
+                <a:srgbClr val="48A2A0"/>
+              </a:solidFill>
+            </a:endParaRPr>
+          </a:p>
+          <a:p>
+            <a:r>
+              <a:rPr lang="zh-CN" altLang="en-US" dirty="0"/>
+              <a:t>类图是面向对象系统建模中最常用和最重要的图，是定义其它图的基础。</a:t>
+            </a:r>
+            <a:endParaRPr lang="en-US" altLang="zh-CN" dirty="0"/>
+          </a:p>
+          <a:p>
+            <a:r>
+              <a:rPr lang="zh-CN" altLang="en-US" dirty="0"/>
+              <a:t>类图主要是用来显示系统中的类、接口以及它们之间的静态结构和关系的一种静态模型。</a:t>
+            </a:r>
+            <a:endParaRPr lang="en-US" altLang="zh-CN" dirty="0"/>
+          </a:p>
+        </p:txBody>
+      </p:sp>
+      <p:sp>
+        <p:nvSpPr>
+          <p:cNvPr id="5" name="文本框 4"/>
+          <p:cNvSpPr txBox="1"/>
+          <p:nvPr/>
+        </p:nvSpPr>
+        <p:spPr>
+          <a:xfrm>
+            <a:off x="2510212" y="2309949"/>
+            <a:ext cx="1107996" cy="369332"/>
+          </a:xfrm>
+          <a:prstGeom prst="rect">
+            <a:avLst/>
+          </a:prstGeom>
+          <a:noFill/>
+        </p:spPr>
+        <p:txBody>
+          <a:bodyPr wrap="none" rtlCol="0">
+            <a:spAutoFit/>
+          </a:bodyPr>
+          <a:lstStyle/>
+          <a:p>
+            <a:r>
+              <a:rPr kumimoji="1" lang="zh-CN" altLang="en-US" dirty="0"/>
+              <a:t>基本组件</a:t>
+            </a:r>
+          </a:p>
+        </p:txBody>
+      </p:sp>
+      <p:sp>
+        <p:nvSpPr>
+          <p:cNvPr id="25" name="矩形 24"/>
+          <p:cNvSpPr/>
+          <p:nvPr/>
+        </p:nvSpPr>
+        <p:spPr>
+          <a:xfrm>
+            <a:off x="641829" y="2787701"/>
+            <a:ext cx="693189" cy="429491"/>
+          </a:xfrm>
+          <a:prstGeom prst="rect">
+            <a:avLst/>
+          </a:prstGeom>
+          <a:solidFill>
+            <a:srgbClr val="6C92C0"/>
+          </a:solidFill>
+          <a:ln>
+            <a:noFill/>
+          </a:ln>
+        </p:spPr>
+        <p:style>
+          <a:lnRef idx="2">
+            <a:schemeClr val="accent1">
+              <a:shade val="50000"/>
+            </a:schemeClr>
+          </a:lnRef>
+          <a:fillRef idx="1">
+            <a:schemeClr val="accent1"/>
+          </a:fillRef>
+          <a:effectRef idx="0">
+            <a:schemeClr val="accent1"/>
+          </a:effectRef>
+          <a:fontRef idx="minor">
+            <a:schemeClr val="lt1"/>
+          </a:fontRef>
+        </p:style>
+        <p:txBody>
+          <a:bodyPr rtlCol="0" anchor="ctr"/>
+          <a:lstStyle/>
+          <a:p>
+            <a:pPr algn="ctr"/>
+            <a:r>
+              <a:rPr kumimoji="1" lang="zh-CN" altLang="en-US" dirty="0"/>
+              <a:t>类名</a:t>
+            </a:r>
+          </a:p>
+        </p:txBody>
+      </p:sp>
+      <p:sp>
+        <p:nvSpPr>
+          <p:cNvPr id="26" name="矩形 25"/>
+          <p:cNvSpPr/>
+          <p:nvPr/>
+        </p:nvSpPr>
+        <p:spPr>
+          <a:xfrm>
+            <a:off x="619661" y="4328607"/>
+            <a:ext cx="715357" cy="429491"/>
+          </a:xfrm>
+          <a:prstGeom prst="rect">
+            <a:avLst/>
+          </a:prstGeom>
+          <a:solidFill>
+            <a:srgbClr val="48A2A0"/>
+          </a:solidFill>
+          <a:ln>
+            <a:noFill/>
+          </a:ln>
+        </p:spPr>
+        <p:style>
+          <a:lnRef idx="2">
+            <a:schemeClr val="accent1">
+              <a:shade val="50000"/>
+            </a:schemeClr>
+          </a:lnRef>
+          <a:fillRef idx="1">
+            <a:schemeClr val="accent1"/>
+          </a:fillRef>
+          <a:effectRef idx="0">
+            <a:schemeClr val="accent1"/>
+          </a:effectRef>
+          <a:fontRef idx="minor">
+            <a:schemeClr val="lt1"/>
+          </a:fontRef>
+        </p:style>
+        <p:txBody>
+          <a:bodyPr rtlCol="0" anchor="ctr"/>
+          <a:lstStyle/>
+          <a:p>
+            <a:pPr algn="ctr"/>
+            <a:r>
+              <a:rPr kumimoji="1" lang="zh-CN" altLang="en-US" dirty="0"/>
+              <a:t>操作</a:t>
+            </a:r>
+          </a:p>
+        </p:txBody>
+      </p:sp>
+      <p:sp>
+        <p:nvSpPr>
+          <p:cNvPr id="27" name="矩形 26"/>
+          <p:cNvSpPr/>
+          <p:nvPr/>
+        </p:nvSpPr>
+        <p:spPr>
+          <a:xfrm>
+            <a:off x="619661" y="3351541"/>
+            <a:ext cx="715357" cy="429491"/>
+          </a:xfrm>
+          <a:prstGeom prst="rect">
+            <a:avLst/>
+          </a:prstGeom>
+          <a:solidFill>
+            <a:srgbClr val="A4D6D5"/>
+          </a:solidFill>
+          <a:ln>
+            <a:noFill/>
+          </a:ln>
+        </p:spPr>
+        <p:style>
+          <a:lnRef idx="2">
+            <a:schemeClr val="accent1">
+              <a:shade val="50000"/>
+            </a:schemeClr>
+          </a:lnRef>
+          <a:fillRef idx="1">
+            <a:schemeClr val="accent1"/>
+          </a:fillRef>
+          <a:effectRef idx="0">
+            <a:schemeClr val="accent1"/>
+          </a:effectRef>
+          <a:fontRef idx="minor">
+            <a:schemeClr val="lt1"/>
+          </a:fontRef>
+        </p:style>
+        <p:txBody>
+          <a:bodyPr rtlCol="0" anchor="ctr"/>
+          <a:lstStyle/>
+          <a:p>
+            <a:pPr algn="ctr"/>
+            <a:r>
+              <a:rPr kumimoji="1" lang="zh-CN" altLang="en-US" dirty="0"/>
+              <a:t>属性</a:t>
+            </a:r>
+          </a:p>
+        </p:txBody>
+      </p:sp>
+      <p:pic>
+        <p:nvPicPr>
+          <p:cNvPr id="29" name="图片 28"/>
+          <p:cNvPicPr>
+            <a:picLocks noChangeAspect="1"/>
+          </p:cNvPicPr>
+          <p:nvPr/>
+        </p:nvPicPr>
+        <p:blipFill rotWithShape="1">
+          <a:blip r:embed="rId3">
+            <a:extLst>
+              <a:ext uri="{28A0092B-C50C-407E-A947-70E740481C1C}">
+                <a14:useLocalDpi xmlns:a14="http://schemas.microsoft.com/office/drawing/2010/main" val="0"/>
+              </a:ext>
+            </a:extLst>
+          </a:blip>
+          <a:srcRect l="5885" t="5630" r="4123" b="5973"/>
+          <a:stretch>
+            <a:fillRect/>
+          </a:stretch>
+        </p:blipFill>
+        <p:spPr>
+          <a:xfrm>
+            <a:off x="1562279" y="2761547"/>
+            <a:ext cx="2941033" cy="2160804"/>
+          </a:xfrm>
+          <a:prstGeom prst="rect">
+            <a:avLst/>
+          </a:prstGeom>
+        </p:spPr>
+      </p:pic>
+      <p:sp>
+        <p:nvSpPr>
+          <p:cNvPr id="3" name="矩形 2"/>
+          <p:cNvSpPr/>
+          <p:nvPr/>
+        </p:nvSpPr>
+        <p:spPr>
+          <a:xfrm>
+            <a:off x="5816110" y="2453749"/>
+            <a:ext cx="7340650" cy="646331"/>
+          </a:xfrm>
+          <a:prstGeom prst="rect">
+            <a:avLst/>
+          </a:prstGeom>
+        </p:spPr>
+        <p:txBody>
+          <a:bodyPr wrap="square">
+            <a:spAutoFit/>
+          </a:bodyPr>
+          <a:lstStyle/>
+          <a:p>
+            <a:r>
+              <a:rPr lang="zh-CN" altLang="en-US" dirty="0"/>
+              <a:t>描述了类在软件系统中代表的事物（即对象）所具备的特性</a:t>
+            </a:r>
+            <a:endParaRPr lang="en-US" altLang="zh-CN" dirty="0"/>
+          </a:p>
+          <a:p>
+            <a:r>
+              <a:rPr lang="en-US" altLang="zh-CN" dirty="0"/>
+              <a:t>	</a:t>
+            </a:r>
+            <a:r>
+              <a:rPr lang="zh-CN" altLang="en-US" dirty="0"/>
+              <a:t>类可以有任意数目的属性，也可以没有属性</a:t>
+            </a:r>
+            <a:endParaRPr lang="en-US" altLang="zh-CN" dirty="0"/>
+          </a:p>
+        </p:txBody>
+      </p:sp>
+      <p:sp>
+        <p:nvSpPr>
+          <p:cNvPr id="13" name="矩形 12"/>
+          <p:cNvSpPr/>
+          <p:nvPr/>
+        </p:nvSpPr>
+        <p:spPr>
+          <a:xfrm>
+            <a:off x="5100753" y="2419622"/>
+            <a:ext cx="715357" cy="429491"/>
+          </a:xfrm>
+          <a:prstGeom prst="rect">
+            <a:avLst/>
+          </a:prstGeom>
+          <a:solidFill>
+            <a:srgbClr val="A4D6D5"/>
+          </a:solidFill>
+          <a:ln>
+            <a:noFill/>
+          </a:ln>
+        </p:spPr>
+        <p:style>
+          <a:lnRef idx="2">
+            <a:schemeClr val="accent1">
+              <a:shade val="50000"/>
+            </a:schemeClr>
+          </a:lnRef>
+          <a:fillRef idx="1">
+            <a:schemeClr val="accent1"/>
+          </a:fillRef>
+          <a:effectRef idx="0">
+            <a:schemeClr val="accent1"/>
+          </a:effectRef>
+          <a:fontRef idx="minor">
+            <a:schemeClr val="lt1"/>
+          </a:fontRef>
+        </p:style>
+        <p:txBody>
+          <a:bodyPr rtlCol="0" anchor="ctr"/>
+          <a:lstStyle/>
+          <a:p>
+            <a:pPr algn="ctr"/>
+            <a:r>
+              <a:rPr kumimoji="1" lang="zh-CN" altLang="en-US" dirty="0"/>
+              <a:t>属性</a:t>
+            </a:r>
+          </a:p>
+        </p:txBody>
+      </p:sp>
+      <p:sp>
+        <p:nvSpPr>
+          <p:cNvPr id="14" name="矩形 13"/>
+          <p:cNvSpPr/>
+          <p:nvPr/>
+        </p:nvSpPr>
+        <p:spPr>
+          <a:xfrm>
+            <a:off x="5100753" y="3281204"/>
+            <a:ext cx="1697778" cy="322290"/>
+          </a:xfrm>
+          <a:prstGeom prst="rect">
+            <a:avLst/>
+          </a:prstGeom>
+          <a:solidFill>
+            <a:srgbClr val="6C92C0"/>
+          </a:solidFill>
+          <a:ln>
+            <a:noFill/>
+          </a:ln>
+        </p:spPr>
+        <p:style>
+          <a:lnRef idx="2">
+            <a:schemeClr val="accent1">
+              <a:shade val="50000"/>
+            </a:schemeClr>
+          </a:lnRef>
+          <a:fillRef idx="1">
+            <a:schemeClr val="accent1"/>
+          </a:fillRef>
+          <a:effectRef idx="0">
+            <a:schemeClr val="accent1"/>
+          </a:effectRef>
+          <a:fontRef idx="minor">
+            <a:schemeClr val="lt1"/>
+          </a:fontRef>
+        </p:style>
+        <p:txBody>
+          <a:bodyPr rtlCol="0" anchor="ctr"/>
+          <a:lstStyle/>
+          <a:p>
+            <a:pPr algn="ctr"/>
+            <a:r>
+              <a:rPr kumimoji="1" lang="zh-CN" altLang="en-US" dirty="0"/>
+              <a:t>类属性的语法</a:t>
+            </a:r>
+          </a:p>
+        </p:txBody>
+      </p:sp>
+      <p:sp>
+        <p:nvSpPr>
+          <p:cNvPr id="15" name="文本框 14"/>
+          <p:cNvSpPr txBox="1"/>
+          <p:nvPr/>
+        </p:nvSpPr>
+        <p:spPr>
+          <a:xfrm>
+            <a:off x="6940522" y="3246912"/>
+            <a:ext cx="4935967" cy="369332"/>
+          </a:xfrm>
+          <a:prstGeom prst="rect">
+            <a:avLst/>
+          </a:prstGeom>
+          <a:noFill/>
+        </p:spPr>
+        <p:txBody>
+          <a:bodyPr wrap="none" rtlCol="0">
+            <a:spAutoFit/>
+          </a:bodyPr>
+          <a:lstStyle/>
+          <a:p>
+            <a:r>
+              <a:rPr kumimoji="1" lang="en-US" altLang="zh-CN" dirty="0"/>
+              <a:t>[</a:t>
+            </a:r>
+            <a:r>
+              <a:rPr kumimoji="1" lang="zh-CN" altLang="en-US" dirty="0"/>
+              <a:t>可见性</a:t>
+            </a:r>
+            <a:r>
+              <a:rPr kumimoji="1" lang="en-US" altLang="zh-CN" dirty="0"/>
+              <a:t>]</a:t>
+            </a:r>
+            <a:r>
+              <a:rPr kumimoji="1" lang="zh-CN" altLang="en-US" dirty="0"/>
+              <a:t>属性名</a:t>
+            </a:r>
+            <a:r>
+              <a:rPr kumimoji="1" lang="en-US" altLang="zh-CN" dirty="0"/>
+              <a:t>[</a:t>
+            </a:r>
+            <a:r>
+              <a:rPr kumimoji="1" lang="zh-CN" altLang="en-US" dirty="0"/>
+              <a:t>：类型</a:t>
+            </a:r>
+            <a:r>
+              <a:rPr kumimoji="1" lang="en-US" altLang="zh-CN" dirty="0"/>
+              <a:t>][=</a:t>
+            </a:r>
+            <a:r>
+              <a:rPr kumimoji="1" lang="zh-CN" altLang="en-US" dirty="0"/>
+              <a:t>初始值</a:t>
+            </a:r>
+            <a:r>
+              <a:rPr kumimoji="1" lang="en-US" altLang="zh-CN" dirty="0"/>
+              <a:t>][{</a:t>
+            </a:r>
+            <a:r>
+              <a:rPr kumimoji="1" lang="zh-CN" altLang="en-US" dirty="0"/>
+              <a:t>属性字符串</a:t>
+            </a:r>
+            <a:r>
+              <a:rPr kumimoji="1" lang="en-US" altLang="zh-CN" dirty="0"/>
+              <a:t>}]</a:t>
+            </a:r>
+            <a:endParaRPr kumimoji="1" lang="zh-CN" altLang="en-US" dirty="0"/>
+          </a:p>
+        </p:txBody>
+      </p:sp>
+      <p:sp>
+        <p:nvSpPr>
+          <p:cNvPr id="4" name="矩形 3"/>
+          <p:cNvSpPr/>
+          <p:nvPr/>
+        </p:nvSpPr>
+        <p:spPr>
+          <a:xfrm>
+            <a:off x="5784764" y="4030975"/>
+            <a:ext cx="6096000" cy="646331"/>
+          </a:xfrm>
+          <a:prstGeom prst="rect">
+            <a:avLst/>
+          </a:prstGeom>
+        </p:spPr>
+        <p:txBody>
+          <a:bodyPr>
+            <a:spAutoFit/>
+          </a:bodyPr>
+          <a:lstStyle/>
+          <a:p>
+            <a:r>
+              <a:rPr lang="zh-CN" altLang="en-US" dirty="0"/>
+              <a:t>是对类的对象所能做的事务的一个抽象</a:t>
+            </a:r>
+            <a:endParaRPr lang="en-US" altLang="zh-CN" dirty="0"/>
+          </a:p>
+          <a:p>
+            <a:r>
+              <a:rPr lang="en-US" altLang="zh-CN" dirty="0"/>
+              <a:t>	</a:t>
+            </a:r>
+            <a:r>
+              <a:rPr lang="zh-CN" altLang="en-US" dirty="0"/>
+              <a:t>一个类可以有任意数目的操作，也可以没有操作。</a:t>
+            </a:r>
+            <a:endParaRPr lang="en-US" altLang="zh-CN" dirty="0"/>
+          </a:p>
+        </p:txBody>
+      </p:sp>
+      <p:cxnSp>
+        <p:nvCxnSpPr>
+          <p:cNvPr id="7" name="直线连接符 6"/>
+          <p:cNvCxnSpPr/>
+          <p:nvPr/>
+        </p:nvCxnSpPr>
+        <p:spPr>
+          <a:xfrm>
+            <a:off x="4805997" y="2368156"/>
+            <a:ext cx="0" cy="3003944"/>
+          </a:xfrm>
+          <a:prstGeom prst="line">
+            <a:avLst/>
+          </a:prstGeom>
+          <a:ln>
+            <a:solidFill>
+              <a:schemeClr val="bg1">
+                <a:lumMod val="65000"/>
+              </a:schemeClr>
+            </a:solidFill>
+          </a:ln>
+        </p:spPr>
+        <p:style>
+          <a:lnRef idx="1">
+            <a:schemeClr val="accent6"/>
+          </a:lnRef>
+          <a:fillRef idx="0">
+            <a:schemeClr val="accent6"/>
+          </a:fillRef>
+          <a:effectRef idx="0">
+            <a:schemeClr val="accent6"/>
+          </a:effectRef>
+          <a:fontRef idx="minor">
+            <a:schemeClr val="tx1"/>
+          </a:fontRef>
+        </p:style>
+      </p:cxnSp>
+      <p:cxnSp>
+        <p:nvCxnSpPr>
+          <p:cNvPr id="9" name="直线连接符 8"/>
+          <p:cNvCxnSpPr/>
+          <p:nvPr/>
+        </p:nvCxnSpPr>
+        <p:spPr>
+          <a:xfrm>
+            <a:off x="4991100" y="3825094"/>
+            <a:ext cx="6896472" cy="0"/>
+          </a:xfrm>
+          <a:prstGeom prst="line">
+            <a:avLst/>
+          </a:prstGeom>
+          <a:ln>
+            <a:solidFill>
+              <a:schemeClr val="bg1">
+                <a:lumMod val="65000"/>
+              </a:schemeClr>
+            </a:solidFill>
+          </a:ln>
+        </p:spPr>
+        <p:style>
+          <a:lnRef idx="1">
+            <a:schemeClr val="accent1"/>
+          </a:lnRef>
+          <a:fillRef idx="0">
+            <a:schemeClr val="accent1"/>
+          </a:fillRef>
+          <a:effectRef idx="0">
+            <a:schemeClr val="accent1"/>
+          </a:effectRef>
+          <a:fontRef idx="minor">
+            <a:schemeClr val="tx1"/>
+          </a:fontRef>
+        </p:style>
+      </p:cxnSp>
+      <p:sp>
+        <p:nvSpPr>
+          <p:cNvPr id="22" name="矩形 21"/>
+          <p:cNvSpPr/>
+          <p:nvPr/>
+        </p:nvSpPr>
+        <p:spPr>
+          <a:xfrm>
+            <a:off x="5105028" y="4010668"/>
+            <a:ext cx="715357" cy="429491"/>
+          </a:xfrm>
+          <a:prstGeom prst="rect">
+            <a:avLst/>
+          </a:prstGeom>
+          <a:solidFill>
+            <a:srgbClr val="48A2A0"/>
+          </a:solidFill>
+          <a:ln>
+            <a:noFill/>
+          </a:ln>
+        </p:spPr>
+        <p:style>
+          <a:lnRef idx="2">
+            <a:schemeClr val="accent1">
+              <a:shade val="50000"/>
+            </a:schemeClr>
+          </a:lnRef>
+          <a:fillRef idx="1">
+            <a:schemeClr val="accent1"/>
+          </a:fillRef>
+          <a:effectRef idx="0">
+            <a:schemeClr val="accent1"/>
+          </a:effectRef>
+          <a:fontRef idx="minor">
+            <a:schemeClr val="lt1"/>
+          </a:fontRef>
+        </p:style>
+        <p:txBody>
+          <a:bodyPr rtlCol="0" anchor="ctr"/>
+          <a:lstStyle/>
+          <a:p>
+            <a:pPr algn="ctr"/>
+            <a:r>
+              <a:rPr kumimoji="1" lang="zh-CN" altLang="en-US" dirty="0"/>
+              <a:t>操作</a:t>
+            </a:r>
+          </a:p>
+        </p:txBody>
+      </p:sp>
+      <p:sp>
+        <p:nvSpPr>
+          <p:cNvPr id="23" name="矩形 22"/>
+          <p:cNvSpPr/>
+          <p:nvPr/>
+        </p:nvSpPr>
+        <p:spPr>
+          <a:xfrm>
+            <a:off x="5100753" y="4923791"/>
+            <a:ext cx="1697778" cy="331663"/>
+          </a:xfrm>
+          <a:prstGeom prst="rect">
+            <a:avLst/>
+          </a:prstGeom>
+          <a:solidFill>
+            <a:schemeClr val="accent1">
+              <a:lumMod val="75000"/>
+            </a:schemeClr>
+          </a:solidFill>
+          <a:ln>
+            <a:noFill/>
+          </a:ln>
+        </p:spPr>
+        <p:style>
+          <a:lnRef idx="2">
+            <a:schemeClr val="accent1">
+              <a:shade val="50000"/>
+            </a:schemeClr>
+          </a:lnRef>
+          <a:fillRef idx="1">
+            <a:schemeClr val="accent1"/>
+          </a:fillRef>
+          <a:effectRef idx="0">
+            <a:schemeClr val="accent1"/>
+          </a:effectRef>
+          <a:fontRef idx="minor">
+            <a:schemeClr val="lt1"/>
+          </a:fontRef>
+        </p:style>
+        <p:txBody>
+          <a:bodyPr rtlCol="0" anchor="ctr"/>
+          <a:lstStyle/>
+          <a:p>
+            <a:pPr algn="ctr"/>
+            <a:r>
+              <a:rPr kumimoji="1" lang="zh-CN" altLang="en-US" dirty="0"/>
+              <a:t>类操作的语法</a:t>
+            </a:r>
+          </a:p>
+        </p:txBody>
+      </p:sp>
+      <p:sp>
+        <p:nvSpPr>
+          <p:cNvPr id="24" name="文本框 23"/>
+          <p:cNvSpPr txBox="1"/>
+          <p:nvPr/>
+        </p:nvSpPr>
+        <p:spPr>
+          <a:xfrm>
+            <a:off x="6798531" y="4879556"/>
+            <a:ext cx="5393469" cy="369332"/>
+          </a:xfrm>
+          <a:prstGeom prst="rect">
+            <a:avLst/>
+          </a:prstGeom>
+          <a:noFill/>
+        </p:spPr>
+        <p:txBody>
+          <a:bodyPr wrap="square" rtlCol="0">
+            <a:spAutoFit/>
+          </a:bodyPr>
+          <a:lstStyle/>
+          <a:p>
+            <a:r>
+              <a:rPr kumimoji="1" lang="en-US" altLang="zh-CN" dirty="0"/>
+              <a:t>[</a:t>
+            </a:r>
+            <a:r>
+              <a:rPr kumimoji="1" lang="zh-CN" altLang="en-US" dirty="0"/>
+              <a:t>可见性</a:t>
+            </a:r>
+            <a:r>
+              <a:rPr kumimoji="1" lang="en-US" altLang="zh-CN" dirty="0"/>
+              <a:t>]</a:t>
+            </a:r>
+            <a:r>
+              <a:rPr kumimoji="1" lang="zh-CN" altLang="en-US" dirty="0"/>
+              <a:t>操作名</a:t>
+            </a:r>
+            <a:r>
+              <a:rPr kumimoji="1" lang="en-US" altLang="zh-CN" dirty="0"/>
+              <a:t>{(</a:t>
+            </a:r>
+            <a:r>
+              <a:rPr kumimoji="1" lang="zh-CN" altLang="en-US" dirty="0"/>
+              <a:t>参数表</a:t>
+            </a:r>
+            <a:r>
+              <a:rPr kumimoji="1" lang="en-US" altLang="zh-CN" dirty="0"/>
+              <a:t>)][</a:t>
+            </a:r>
+            <a:r>
+              <a:rPr kumimoji="1" lang="zh-CN" altLang="en-US" dirty="0"/>
+              <a:t>：返回类型</a:t>
+            </a:r>
+            <a:r>
+              <a:rPr kumimoji="1" lang="en-US" altLang="zh-CN" dirty="0"/>
+              <a:t>][{</a:t>
+            </a:r>
+            <a:r>
+              <a:rPr kumimoji="1" lang="zh-CN" altLang="en-US" dirty="0"/>
+              <a:t>属性字符串</a:t>
+            </a:r>
+            <a:r>
+              <a:rPr kumimoji="1" lang="en-US" altLang="zh-CN" dirty="0"/>
+              <a:t>}]</a:t>
+            </a:r>
+            <a:endParaRPr kumimoji="1" lang="zh-CN" altLang="en-US" dirty="0"/>
+          </a:p>
+        </p:txBody>
+      </p:sp>
+      <p:sp>
+        <p:nvSpPr>
+          <p:cNvPr id="28" name="文本框 27"/>
+          <p:cNvSpPr txBox="1"/>
+          <p:nvPr/>
+        </p:nvSpPr>
+        <p:spPr>
+          <a:xfrm>
+            <a:off x="2543839" y="5958986"/>
+            <a:ext cx="2262158" cy="369332"/>
+          </a:xfrm>
+          <a:prstGeom prst="rect">
+            <a:avLst/>
+          </a:prstGeom>
+          <a:noFill/>
+        </p:spPr>
+        <p:txBody>
+          <a:bodyPr wrap="none" rtlCol="0">
+            <a:spAutoFit/>
+          </a:bodyPr>
+          <a:lstStyle/>
+          <a:p>
+            <a:r>
+              <a:rPr kumimoji="1" lang="zh-CN" altLang="en-US" dirty="0"/>
+              <a:t>可见性使用符号表示</a:t>
+            </a:r>
+          </a:p>
+        </p:txBody>
+      </p:sp>
+      <p:sp>
+        <p:nvSpPr>
+          <p:cNvPr id="30" name="矩形 29"/>
+          <p:cNvSpPr/>
+          <p:nvPr/>
+        </p:nvSpPr>
+        <p:spPr>
+          <a:xfrm>
+            <a:off x="4991100" y="5645493"/>
+            <a:ext cx="6096000" cy="923330"/>
+          </a:xfrm>
+          <a:prstGeom prst="rect">
+            <a:avLst/>
+          </a:prstGeom>
+        </p:spPr>
+        <p:txBody>
+          <a:bodyPr>
+            <a:spAutoFit/>
+          </a:bodyPr>
+          <a:lstStyle/>
+          <a:p>
+            <a:r>
+              <a:rPr lang="en-US" altLang="zh-CN" b="1" dirty="0">
+                <a:solidFill>
+                  <a:srgbClr val="000000"/>
+                </a:solidFill>
+                <a:latin typeface="Verdana" panose="020B0604030504040204" pitchFamily="34" charset="0"/>
+              </a:rPr>
+              <a:t>·</a:t>
+            </a:r>
+            <a:r>
+              <a:rPr lang="zh-CN" altLang="en-US" dirty="0">
+                <a:solidFill>
+                  <a:srgbClr val="000000"/>
+                </a:solidFill>
+                <a:latin typeface="Verdana" panose="020B0604030504040204" pitchFamily="34" charset="0"/>
+              </a:rPr>
+              <a:t> </a:t>
+            </a:r>
+            <a:r>
+              <a:rPr lang="en-US" altLang="zh-CN" dirty="0">
+                <a:solidFill>
+                  <a:srgbClr val="000000"/>
+                </a:solidFill>
+                <a:latin typeface="Verdana" panose="020B0604030504040204" pitchFamily="34" charset="0"/>
+              </a:rPr>
+              <a:t>+ </a:t>
+            </a:r>
+            <a:r>
+              <a:rPr lang="zh-CN" altLang="en-US" dirty="0">
+                <a:solidFill>
+                  <a:srgbClr val="000000"/>
+                </a:solidFill>
+                <a:latin typeface="Verdana" panose="020B0604030504040204" pitchFamily="34" charset="0"/>
+              </a:rPr>
+              <a:t>：表示</a:t>
+            </a:r>
+            <a:r>
+              <a:rPr lang="en-GB" altLang="zh-CN" dirty="0">
+                <a:solidFill>
+                  <a:srgbClr val="000000"/>
+                </a:solidFill>
+                <a:latin typeface="Verdana" panose="020B0604030504040204" pitchFamily="34" charset="0"/>
+              </a:rPr>
+              <a:t>public</a:t>
+            </a:r>
+          </a:p>
+          <a:p>
+            <a:r>
+              <a:rPr lang="en-GB" altLang="zh-CN" b="1" dirty="0">
+                <a:solidFill>
+                  <a:srgbClr val="000000"/>
+                </a:solidFill>
+                <a:latin typeface="Verdana" panose="020B0604030504040204" pitchFamily="34" charset="0"/>
+              </a:rPr>
+              <a:t>·</a:t>
+            </a:r>
+            <a:r>
+              <a:rPr lang="en-GB" altLang="zh-CN" dirty="0">
+                <a:solidFill>
+                  <a:srgbClr val="000000"/>
+                </a:solidFill>
+                <a:latin typeface="Verdana" panose="020B0604030504040204" pitchFamily="34" charset="0"/>
+              </a:rPr>
+              <a:t> - </a:t>
+            </a:r>
+            <a:r>
+              <a:rPr lang="zh-CN" altLang="en-GB" dirty="0">
+                <a:solidFill>
+                  <a:srgbClr val="000000"/>
+                </a:solidFill>
+                <a:latin typeface="Verdana" panose="020B0604030504040204" pitchFamily="34" charset="0"/>
+              </a:rPr>
+              <a:t>：</a:t>
+            </a:r>
+            <a:r>
+              <a:rPr lang="zh-CN" altLang="en-US" dirty="0">
+                <a:solidFill>
+                  <a:srgbClr val="000000"/>
+                </a:solidFill>
+                <a:latin typeface="Verdana" panose="020B0604030504040204" pitchFamily="34" charset="0"/>
+              </a:rPr>
+              <a:t>表示</a:t>
+            </a:r>
+            <a:r>
+              <a:rPr lang="en-GB" altLang="zh-CN" dirty="0">
+                <a:solidFill>
+                  <a:srgbClr val="000000"/>
+                </a:solidFill>
+                <a:latin typeface="Verdana" panose="020B0604030504040204" pitchFamily="34" charset="0"/>
+              </a:rPr>
+              <a:t>private</a:t>
+            </a:r>
+          </a:p>
+          <a:p>
+            <a:r>
+              <a:rPr lang="en-GB" altLang="zh-CN" b="1" dirty="0">
+                <a:solidFill>
+                  <a:srgbClr val="000000"/>
+                </a:solidFill>
+                <a:latin typeface="Verdana" panose="020B0604030504040204" pitchFamily="34" charset="0"/>
+              </a:rPr>
+              <a:t>·</a:t>
+            </a:r>
+            <a:r>
+              <a:rPr lang="en-GB" altLang="zh-CN" dirty="0">
+                <a:solidFill>
+                  <a:srgbClr val="000000"/>
+                </a:solidFill>
+                <a:latin typeface="Verdana" panose="020B0604030504040204" pitchFamily="34" charset="0"/>
+              </a:rPr>
+              <a:t> #</a:t>
+            </a:r>
+            <a:r>
+              <a:rPr lang="zh-CN" altLang="en-GB" dirty="0">
+                <a:solidFill>
+                  <a:srgbClr val="000000"/>
+                </a:solidFill>
+                <a:latin typeface="Verdana" panose="020B0604030504040204" pitchFamily="34" charset="0"/>
+              </a:rPr>
+              <a:t>：</a:t>
+            </a:r>
+            <a:r>
+              <a:rPr lang="zh-CN" altLang="en-US" dirty="0">
+                <a:solidFill>
+                  <a:srgbClr val="000000"/>
+                </a:solidFill>
+                <a:latin typeface="Verdana" panose="020B0604030504040204" pitchFamily="34" charset="0"/>
+              </a:rPr>
+              <a:t>表示</a:t>
+            </a:r>
+            <a:r>
+              <a:rPr lang="en-GB" altLang="zh-CN" dirty="0">
+                <a:solidFill>
+                  <a:srgbClr val="000000"/>
+                </a:solidFill>
+                <a:latin typeface="Verdana" panose="020B0604030504040204" pitchFamily="34" charset="0"/>
+              </a:rPr>
+              <a:t>protected</a:t>
+            </a:r>
+            <a:r>
+              <a:rPr lang="zh-CN" altLang="en-GB" dirty="0">
+                <a:solidFill>
+                  <a:srgbClr val="000000"/>
+                </a:solidFill>
+                <a:latin typeface="Verdana" panose="020B0604030504040204" pitchFamily="34" charset="0"/>
+              </a:rPr>
+              <a:t>（</a:t>
+            </a:r>
+            <a:r>
+              <a:rPr lang="en-GB" altLang="zh-CN" dirty="0">
+                <a:solidFill>
+                  <a:srgbClr val="000000"/>
+                </a:solidFill>
+                <a:latin typeface="Verdana" panose="020B0604030504040204" pitchFamily="34" charset="0"/>
+              </a:rPr>
+              <a:t>friendly</a:t>
+            </a:r>
+            <a:r>
+              <a:rPr lang="zh-CN" altLang="en-US" dirty="0">
+                <a:solidFill>
+                  <a:srgbClr val="000000"/>
+                </a:solidFill>
+                <a:latin typeface="Verdana" panose="020B0604030504040204" pitchFamily="34" charset="0"/>
+              </a:rPr>
+              <a:t>也归入这类）</a:t>
+            </a:r>
+            <a:endParaRPr lang="zh-CN" altLang="en-US" b="0" i="0" u="none" strike="noStrike" dirty="0">
+              <a:solidFill>
+                <a:srgbClr val="000000"/>
+              </a:solidFill>
+              <a:effectLst/>
+              <a:latin typeface="Verdana" panose="020B0604030504040204" pitchFamily="34" charset="0"/>
+            </a:endParaRPr>
+          </a:p>
+        </p:txBody>
+      </p:sp>
+      <p:cxnSp>
+        <p:nvCxnSpPr>
+          <p:cNvPr id="31" name="直线连接符 30"/>
+          <p:cNvCxnSpPr/>
+          <p:nvPr/>
+        </p:nvCxnSpPr>
+        <p:spPr>
+          <a:xfrm>
+            <a:off x="1344023" y="5533045"/>
+            <a:ext cx="9743077" cy="0"/>
+          </a:xfrm>
+          <a:prstGeom prst="line">
+            <a:avLst/>
+          </a:prstGeom>
+          <a:ln>
+            <a:solidFill>
+              <a:schemeClr val="bg1">
+                <a:lumMod val="65000"/>
+              </a:schemeClr>
+            </a:solidFill>
+          </a:ln>
+        </p:spPr>
+        <p:style>
+          <a:lnRef idx="1">
+            <a:schemeClr val="accent1"/>
+          </a:lnRef>
+          <a:fillRef idx="0">
+            <a:schemeClr val="accent1"/>
+          </a:fillRef>
+          <a:effectRef idx="0">
+            <a:schemeClr val="accent1"/>
+          </a:effectRef>
+          <a:fontRef idx="minor">
+            <a:schemeClr val="tx1"/>
+          </a:fontRef>
+        </p:style>
+      </p:cxnSp>
+    </p:spTree>
+  </p:cSld>
+  <p:clrMapOvr>
+    <a:masterClrMapping/>
+  </p:clrMapOvr>
+</p:sld>
+</file>
+
+<file path=ppt/slides/slide11.xml><?xml version="1.0" encoding="utf-8"?>
+<p:sld xmlns:a="http://schemas.openxmlformats.org/drawingml/2006/main" xmlns:r="http://schemas.openxmlformats.org/officeDocument/2006/relationships" xmlns:p="http://schemas.openxmlformats.org/presentationml/2006/main">
+  <p:cSld>
+    <p:spTree>
+      <p:nvGrpSpPr>
+        <p:cNvPr id="1" name=""/>
+        <p:cNvGrpSpPr/>
+        <p:nvPr/>
+      </p:nvGrpSpPr>
+      <p:grpSpPr>
+        <a:xfrm>
+          <a:off x="0" y="0"/>
+          <a:ext cx="0" cy="0"/>
+          <a:chOff x="0" y="0"/>
+          <a:chExt cx="0" cy="0"/>
+        </a:xfrm>
+      </p:grpSpPr>
+      <p:sp>
+        <p:nvSpPr>
+          <p:cNvPr id="3" name="矩形 2">
+            <a:extLst>
+              <a:ext uri="{FF2B5EF4-FFF2-40B4-BE49-F238E27FC236}">
+                <a16:creationId xmlns:a16="http://schemas.microsoft.com/office/drawing/2014/main" id="{BE24B325-80C7-4177-B35A-6F4FD7ACB7BC}"/>
+              </a:ext>
+            </a:extLst>
+          </p:cNvPr>
+          <p:cNvSpPr/>
+          <p:nvPr/>
+        </p:nvSpPr>
+        <p:spPr>
+          <a:xfrm>
+            <a:off x="133290" y="101208"/>
+            <a:ext cx="2031325" cy="461665"/>
+          </a:xfrm>
+          <a:prstGeom prst="rect">
+            <a:avLst/>
+          </a:prstGeom>
+        </p:spPr>
+        <p:txBody>
+          <a:bodyPr wrap="none">
+            <a:spAutoFit/>
+          </a:bodyPr>
+          <a:lstStyle/>
+          <a:p>
+            <a:r>
+              <a:rPr lang="zh-CN" altLang="en-US" sz="2400" b="1" dirty="0">
+                <a:solidFill>
+                  <a:schemeClr val="tx1">
+                    <a:lumMod val="75000"/>
+                    <a:lumOff val="25000"/>
+                  </a:schemeClr>
+                </a:solidFill>
+              </a:rPr>
+              <a:t>项目种的类图</a:t>
+            </a:r>
+          </a:p>
+        </p:txBody>
+      </p:sp>
+      <p:pic>
+        <p:nvPicPr>
+          <p:cNvPr id="4" name="图片 3">
+            <a:extLst>
+              <a:ext uri="{FF2B5EF4-FFF2-40B4-BE49-F238E27FC236}">
+                <a16:creationId xmlns:a16="http://schemas.microsoft.com/office/drawing/2014/main" id="{2712193C-CD91-4D2D-A17E-74F9362EC140}"/>
+              </a:ext>
+            </a:extLst>
+          </p:cNvPr>
+          <p:cNvPicPr>
+            <a:picLocks noChangeAspect="1"/>
+          </p:cNvPicPr>
+          <p:nvPr/>
+        </p:nvPicPr>
+        <p:blipFill>
+          <a:blip r:embed="rId3">
+            <a:extLst>
+              <a:ext uri="{28A0092B-C50C-407E-A947-70E740481C1C}">
+                <a14:useLocalDpi xmlns:a14="http://schemas.microsoft.com/office/drawing/2010/main" val="0"/>
+              </a:ext>
+            </a:extLst>
+          </a:blip>
+          <a:stretch>
+            <a:fillRect/>
+          </a:stretch>
+        </p:blipFill>
+        <p:spPr>
+          <a:xfrm>
+            <a:off x="2625535" y="101208"/>
+            <a:ext cx="9433175" cy="6858000"/>
+          </a:xfrm>
+          <a:prstGeom prst="rect">
+            <a:avLst/>
+          </a:prstGeom>
+        </p:spPr>
+      </p:pic>
+    </p:spTree>
+    <p:extLst>
+      <p:ext uri="{BB962C8B-B14F-4D97-AF65-F5344CB8AC3E}">
+        <p14:creationId xmlns:p14="http://schemas.microsoft.com/office/powerpoint/2010/main" val="1739528920"/>
+      </p:ext>
+    </p:extLst>
+  </p:cSld>
+  <p:clrMapOvr>
+    <a:masterClrMapping/>
+  </p:clrMapOvr>
+</p:sld>
+</file>
+
+<file path=ppt/slides/slide12.xml><?xml version="1.0" encoding="utf-8"?>
+<p:sld xmlns:a="http://schemas.openxmlformats.org/drawingml/2006/main" xmlns:r="http://schemas.openxmlformats.org/officeDocument/2006/relationships" xmlns:p="http://schemas.openxmlformats.org/presentationml/2006/main">
+  <p:cSld>
+    <p:spTree>
+      <p:nvGrpSpPr>
+        <p:cNvPr id="1" name=""/>
+        <p:cNvGrpSpPr/>
+        <p:nvPr/>
+      </p:nvGrpSpPr>
+      <p:grpSpPr>
+        <a:xfrm>
+          <a:off x="0" y="0"/>
+          <a:ext cx="0" cy="0"/>
+          <a:chOff x="0" y="0"/>
+          <a:chExt cx="0" cy="0"/>
+        </a:xfrm>
+      </p:grpSpPr>
+      <p:sp>
+        <p:nvSpPr>
           <p:cNvPr id="24" name="椭圆 23"/>
           <p:cNvSpPr/>
           <p:nvPr/>
@@ -5599,7 +7063,7 @@
 </p:sld>
 </file>
 
-<file path=ppt/slides/slide11.xml><?xml version="1.0" encoding="utf-8"?>
+<file path=ppt/slides/slide13.xml><?xml version="1.0" encoding="utf-8"?>
 <p:sld xmlns:a="http://schemas.openxmlformats.org/drawingml/2006/main" xmlns:r="http://schemas.openxmlformats.org/officeDocument/2006/relationships" xmlns:p="http://schemas.openxmlformats.org/presentationml/2006/main">
   <p:cSld>
     <p:spTree>
@@ -5819,7 +7283,7 @@
 </p:sld>
 </file>
 
-<file path=ppt/slides/slide12.xml><?xml version="1.0" encoding="utf-8"?>
+<file path=ppt/slides/slide14.xml><?xml version="1.0" encoding="utf-8"?>
 <p:sld xmlns:a="http://schemas.openxmlformats.org/drawingml/2006/main" xmlns:r="http://schemas.openxmlformats.org/officeDocument/2006/relationships" xmlns:p="http://schemas.openxmlformats.org/presentationml/2006/main">
   <p:cSld>
     <p:spTree>
@@ -6048,7 +7512,7 @@
 </p:sld>
 </file>
 
-<file path=ppt/slides/slide13.xml><?xml version="1.0" encoding="utf-8"?>
+<file path=ppt/slides/slide15.xml><?xml version="1.0" encoding="utf-8"?>
 <p:sld xmlns:a="http://schemas.openxmlformats.org/drawingml/2006/main" xmlns:r="http://schemas.openxmlformats.org/officeDocument/2006/relationships" xmlns:p="http://schemas.openxmlformats.org/presentationml/2006/main">
   <p:cSld>
     <p:spTree>
@@ -6289,7 +7753,7 @@
 </p:sld>
 </file>
 
-<file path=ppt/slides/slide14.xml><?xml version="1.0" encoding="utf-8"?>
+<file path=ppt/slides/slide16.xml><?xml version="1.0" encoding="utf-8"?>
 <p:sld xmlns:a="http://schemas.openxmlformats.org/drawingml/2006/main" xmlns:r="http://schemas.openxmlformats.org/officeDocument/2006/relationships" xmlns:p="http://schemas.openxmlformats.org/presentationml/2006/main">
   <p:cSld>
     <p:spTree>
@@ -6562,7 +8026,7 @@
 </p:sld>
 </file>
 
-<file path=ppt/slides/slide15.xml><?xml version="1.0" encoding="utf-8"?>
+<file path=ppt/slides/slide17.xml><?xml version="1.0" encoding="utf-8"?>
 <p:sld xmlns:a="http://schemas.openxmlformats.org/drawingml/2006/main" xmlns:r="http://schemas.openxmlformats.org/officeDocument/2006/relationships" xmlns:p="http://schemas.openxmlformats.org/presentationml/2006/main">
   <p:cSld>
     <p:spTree>
@@ -6851,7 +8315,7 @@
 </p:sld>
 </file>
 
-<file path=ppt/slides/slide16.xml><?xml version="1.0" encoding="utf-8"?>
+<file path=ppt/slides/slide18.xml><?xml version="1.0" encoding="utf-8"?>
 <p:sld xmlns:a="http://schemas.openxmlformats.org/drawingml/2006/main" xmlns:r="http://schemas.openxmlformats.org/officeDocument/2006/relationships" xmlns:p="http://schemas.openxmlformats.org/presentationml/2006/main">
   <p:cSld>
     <p:spTree>
@@ -7109,7 +8573,7 @@
 </p:sld>
 </file>
 
-<file path=ppt/slides/slide17.xml><?xml version="1.0" encoding="utf-8"?>
+<file path=ppt/slides/slide19.xml><?xml version="1.0" encoding="utf-8"?>
 <p:sld xmlns:a="http://schemas.openxmlformats.org/drawingml/2006/main" xmlns:r="http://schemas.openxmlformats.org/officeDocument/2006/relationships" xmlns:p="http://schemas.openxmlformats.org/presentationml/2006/main">
   <p:cSld>
     <p:spTree>
@@ -7624,7 +9088,315 @@
 </p:sld>
 </file>
 
-<file path=ppt/slides/slide18.xml><?xml version="1.0" encoding="utf-8"?>
+<file path=ppt/slides/slide2.xml><?xml version="1.0" encoding="utf-8"?>
+<p:sld xmlns:a="http://schemas.openxmlformats.org/drawingml/2006/main" xmlns:r="http://schemas.openxmlformats.org/officeDocument/2006/relationships" xmlns:p="http://schemas.openxmlformats.org/presentationml/2006/main">
+  <p:cSld>
+    <p:spTree>
+      <p:nvGrpSpPr>
+        <p:cNvPr id="1" name=""/>
+        <p:cNvGrpSpPr/>
+        <p:nvPr/>
+      </p:nvGrpSpPr>
+      <p:grpSpPr>
+        <a:xfrm>
+          <a:off x="0" y="0"/>
+          <a:ext cx="0" cy="0"/>
+          <a:chOff x="0" y="0"/>
+          <a:chExt cx="0" cy="0"/>
+        </a:xfrm>
+      </p:grpSpPr>
+      <p:sp>
+        <p:nvSpPr>
+          <p:cNvPr id="24" name="椭圆 23"/>
+          <p:cNvSpPr/>
+          <p:nvPr/>
+        </p:nvSpPr>
+        <p:spPr>
+          <a:xfrm>
+            <a:off x="692952" y="137876"/>
+            <a:ext cx="713428" cy="713428"/>
+          </a:xfrm>
+          <a:prstGeom prst="ellipse">
+            <a:avLst/>
+          </a:prstGeom>
+          <a:solidFill>
+            <a:srgbClr val="6C92C0">
+              <a:alpha val="70000"/>
+            </a:srgbClr>
+          </a:solidFill>
+          <a:ln>
+            <a:noFill/>
+          </a:ln>
+        </p:spPr>
+        <p:style>
+          <a:lnRef idx="2">
+            <a:schemeClr val="accent1">
+              <a:shade val="50000"/>
+            </a:schemeClr>
+          </a:lnRef>
+          <a:fillRef idx="1">
+            <a:schemeClr val="accent1"/>
+          </a:fillRef>
+          <a:effectRef idx="0">
+            <a:schemeClr val="accent1"/>
+          </a:effectRef>
+          <a:fontRef idx="minor">
+            <a:schemeClr val="lt1"/>
+          </a:fontRef>
+        </p:style>
+        <p:txBody>
+          <a:bodyPr rtlCol="0" anchor="ctr"/>
+          <a:lstStyle/>
+          <a:p>
+            <a:pPr algn="ctr"/>
+            <a:endParaRPr lang="zh-CN" altLang="en-US"/>
+          </a:p>
+        </p:txBody>
+      </p:sp>
+      <p:sp>
+        <p:nvSpPr>
+          <p:cNvPr id="23" name="椭圆 22"/>
+          <p:cNvSpPr/>
+          <p:nvPr/>
+        </p:nvSpPr>
+        <p:spPr>
+          <a:xfrm>
+            <a:off x="804058" y="70952"/>
+            <a:ext cx="2453640" cy="2453640"/>
+          </a:xfrm>
+          <a:prstGeom prst="ellipse">
+            <a:avLst/>
+          </a:prstGeom>
+          <a:solidFill>
+            <a:srgbClr val="48A2A0">
+              <a:alpha val="70000"/>
+            </a:srgbClr>
+          </a:solidFill>
+          <a:ln>
+            <a:noFill/>
+          </a:ln>
+        </p:spPr>
+        <p:style>
+          <a:lnRef idx="2">
+            <a:schemeClr val="accent1">
+              <a:shade val="50000"/>
+            </a:schemeClr>
+          </a:lnRef>
+          <a:fillRef idx="1">
+            <a:schemeClr val="accent1"/>
+          </a:fillRef>
+          <a:effectRef idx="0">
+            <a:schemeClr val="accent1"/>
+          </a:effectRef>
+          <a:fontRef idx="minor">
+            <a:schemeClr val="lt1"/>
+          </a:fontRef>
+        </p:style>
+        <p:txBody>
+          <a:bodyPr rtlCol="0" anchor="ctr"/>
+          <a:lstStyle/>
+          <a:p>
+            <a:pPr algn="ctr"/>
+            <a:endParaRPr lang="zh-CN" altLang="en-US"/>
+          </a:p>
+        </p:txBody>
+      </p:sp>
+      <p:sp>
+        <p:nvSpPr>
+          <p:cNvPr id="2" name="MH_Others_1"/>
+          <p:cNvSpPr txBox="1"/>
+          <p:nvPr>
+            <p:custDataLst>
+              <p:tags r:id="rId1"/>
+            </p:custDataLst>
+          </p:nvPr>
+        </p:nvSpPr>
+        <p:spPr>
+          <a:xfrm>
+            <a:off x="95780" y="851304"/>
+            <a:ext cx="3955467" cy="847938"/>
+          </a:xfrm>
+          <a:prstGeom prst="rect">
+            <a:avLst/>
+          </a:prstGeom>
+          <a:noFill/>
+        </p:spPr>
+        <p:txBody>
+          <a:bodyPr wrap="square" rtlCol="0">
+            <a:noAutofit/>
+          </a:bodyPr>
+          <a:lstStyle/>
+          <a:p>
+            <a:pPr algn="ctr"/>
+            <a:r>
+              <a:rPr lang="zh-CN" altLang="en-US" sz="4400" dirty="0">
+                <a:solidFill>
+                  <a:schemeClr val="bg1"/>
+                </a:solidFill>
+                <a:effectLst>
+                  <a:outerShdw blurRad="38100" dist="38100" dir="2700000" algn="tl">
+                    <a:srgbClr val="000000">
+                      <a:alpha val="43137"/>
+                    </a:srgbClr>
+                  </a:outerShdw>
+                </a:effectLst>
+                <a:latin typeface="+mj-lt"/>
+                <a:cs typeface="Arial" panose="020B0604020202020204" pitchFamily="34" charset="0"/>
+              </a:rPr>
+              <a:t>目录</a:t>
+            </a:r>
+          </a:p>
+        </p:txBody>
+      </p:sp>
+      <p:sp>
+        <p:nvSpPr>
+          <p:cNvPr id="3" name="文本框 2"/>
+          <p:cNvSpPr txBox="1"/>
+          <p:nvPr/>
+        </p:nvSpPr>
+        <p:spPr>
+          <a:xfrm>
+            <a:off x="4051247" y="1589947"/>
+            <a:ext cx="3992245" cy="521970"/>
+          </a:xfrm>
+          <a:prstGeom prst="rect">
+            <a:avLst/>
+          </a:prstGeom>
+          <a:noFill/>
+        </p:spPr>
+        <p:txBody>
+          <a:bodyPr wrap="square" rtlCol="0">
+            <a:spAutoFit/>
+          </a:bodyPr>
+          <a:lstStyle/>
+          <a:p>
+            <a:r>
+              <a:rPr lang="en-US" altLang="zh-CN" sz="2800" b="1" dirty="0">
+                <a:solidFill>
+                  <a:schemeClr val="tx1"/>
+                </a:solidFill>
+                <a:uFillTx/>
+                <a:latin typeface="SimHei" panose="02010609060101010101" pitchFamily="49" charset="-122"/>
+                <a:ea typeface="SimHei" panose="02010609060101010101" pitchFamily="49" charset="-122"/>
+              </a:rPr>
+              <a:t>1.</a:t>
+            </a:r>
+            <a:r>
+              <a:rPr lang="en-US" altLang="zh-CN" sz="2800" b="1" dirty="0">
+                <a:latin typeface="SimHei" panose="02010609060101010101" pitchFamily="49" charset="-122"/>
+                <a:ea typeface="SimHei" panose="02010609060101010101" pitchFamily="49" charset="-122"/>
+              </a:rPr>
+              <a:t>UML</a:t>
+            </a:r>
+            <a:r>
+              <a:rPr lang="zh-CN" altLang="en-US" sz="2800" b="1" dirty="0">
+                <a:latin typeface="SimHei" panose="02010609060101010101" pitchFamily="49" charset="-122"/>
+                <a:ea typeface="SimHei" panose="02010609060101010101" pitchFamily="49" charset="-122"/>
+              </a:rPr>
+              <a:t>介绍</a:t>
+            </a:r>
+            <a:endParaRPr lang="zh-CN" altLang="en-US" sz="2800" b="1" dirty="0">
+              <a:solidFill>
+                <a:schemeClr val="tx1"/>
+              </a:solidFill>
+              <a:uFillTx/>
+              <a:latin typeface="SimHei" panose="02010609060101010101" pitchFamily="49" charset="-122"/>
+              <a:ea typeface="SimHei" panose="02010609060101010101" pitchFamily="49" charset="-122"/>
+            </a:endParaRPr>
+          </a:p>
+        </p:txBody>
+      </p:sp>
+      <p:sp>
+        <p:nvSpPr>
+          <p:cNvPr id="10" name="文本框 9"/>
+          <p:cNvSpPr txBox="1"/>
+          <p:nvPr/>
+        </p:nvSpPr>
+        <p:spPr>
+          <a:xfrm>
+            <a:off x="4099877" y="2531392"/>
+            <a:ext cx="3992245" cy="521970"/>
+          </a:xfrm>
+          <a:prstGeom prst="rect">
+            <a:avLst/>
+          </a:prstGeom>
+          <a:noFill/>
+        </p:spPr>
+        <p:txBody>
+          <a:bodyPr wrap="square" rtlCol="0">
+            <a:spAutoFit/>
+          </a:bodyPr>
+          <a:lstStyle/>
+          <a:p>
+            <a:r>
+              <a:rPr lang="en-US" altLang="zh-CN" sz="2800" b="1" dirty="0">
+                <a:latin typeface="SimHei" panose="02010609060101010101" pitchFamily="49" charset="-122"/>
+                <a:ea typeface="SimHei" panose="02010609060101010101" pitchFamily="49" charset="-122"/>
+              </a:rPr>
+              <a:t>2.UML</a:t>
+            </a:r>
+            <a:r>
+              <a:rPr lang="zh-CN" altLang="en-US" sz="2800" b="1" dirty="0">
+                <a:latin typeface="SimHei" panose="02010609060101010101" pitchFamily="49" charset="-122"/>
+                <a:ea typeface="SimHei" panose="02010609060101010101" pitchFamily="49" charset="-122"/>
+              </a:rPr>
+              <a:t>综合应用</a:t>
+            </a:r>
+          </a:p>
+        </p:txBody>
+      </p:sp>
+      <p:sp>
+        <p:nvSpPr>
+          <p:cNvPr id="11" name="文本框 10"/>
+          <p:cNvSpPr txBox="1"/>
+          <p:nvPr/>
+        </p:nvSpPr>
+        <p:spPr>
+          <a:xfrm>
+            <a:off x="4099877" y="3588989"/>
+            <a:ext cx="3992245" cy="523220"/>
+          </a:xfrm>
+          <a:prstGeom prst="rect">
+            <a:avLst/>
+          </a:prstGeom>
+          <a:noFill/>
+        </p:spPr>
+        <p:txBody>
+          <a:bodyPr wrap="square" rtlCol="0">
+            <a:spAutoFit/>
+          </a:bodyPr>
+          <a:lstStyle/>
+          <a:p>
+            <a:r>
+              <a:rPr lang="en-US" altLang="zh-CN" sz="2800" b="1" dirty="0">
+                <a:latin typeface="SimHei" panose="02010609060101010101" pitchFamily="49" charset="-122"/>
+                <a:ea typeface="SimHei" panose="02010609060101010101" pitchFamily="49" charset="-122"/>
+              </a:rPr>
+              <a:t>3.</a:t>
+            </a:r>
+            <a:r>
+              <a:rPr lang="zh-CN" altLang="en-US" sz="2800" b="1" dirty="0">
+                <a:latin typeface="SimHei" panose="02010609060101010101" pitchFamily="49" charset="-122"/>
+                <a:ea typeface="SimHei" panose="02010609060101010101" pitchFamily="49" charset="-122"/>
+              </a:rPr>
+              <a:t>问题解答</a:t>
+            </a:r>
+            <a:endParaRPr lang="en-US" altLang="zh-CN" sz="2800" b="1" dirty="0">
+              <a:latin typeface="SimHei" panose="02010609060101010101" pitchFamily="49" charset="-122"/>
+              <a:ea typeface="SimHei" panose="02010609060101010101" pitchFamily="49" charset="-122"/>
+            </a:endParaRPr>
+          </a:p>
+        </p:txBody>
+      </p:sp>
+    </p:spTree>
+  </p:cSld>
+  <p:clrMapOvr>
+    <a:masterClrMapping/>
+  </p:clrMapOvr>
+</p:sld>
+</file>
+
+<file path=ppt/slides/slide20.xml><?xml version="1.0" encoding="utf-8"?>
 <p:sld xmlns:a="http://schemas.openxmlformats.org/drawingml/2006/main" xmlns:r="http://schemas.openxmlformats.org/officeDocument/2006/relationships" xmlns:p="http://schemas.openxmlformats.org/presentationml/2006/main">
   <p:cSld>
     <p:spTree>
@@ -7849,314 +9621,6 @@
               <a:solidFill>
                 <a:schemeClr val="bg1"/>
               </a:solidFill>
-            </a:endParaRPr>
-          </a:p>
-        </p:txBody>
-      </p:sp>
-    </p:spTree>
-  </p:cSld>
-  <p:clrMapOvr>
-    <a:masterClrMapping/>
-  </p:clrMapOvr>
-</p:sld>
-</file>
-
-<file path=ppt/slides/slide2.xml><?xml version="1.0" encoding="utf-8"?>
-<p:sld xmlns:a="http://schemas.openxmlformats.org/drawingml/2006/main" xmlns:r="http://schemas.openxmlformats.org/officeDocument/2006/relationships" xmlns:p="http://schemas.openxmlformats.org/presentationml/2006/main">
-  <p:cSld>
-    <p:spTree>
-      <p:nvGrpSpPr>
-        <p:cNvPr id="1" name=""/>
-        <p:cNvGrpSpPr/>
-        <p:nvPr/>
-      </p:nvGrpSpPr>
-      <p:grpSpPr>
-        <a:xfrm>
-          <a:off x="0" y="0"/>
-          <a:ext cx="0" cy="0"/>
-          <a:chOff x="0" y="0"/>
-          <a:chExt cx="0" cy="0"/>
-        </a:xfrm>
-      </p:grpSpPr>
-      <p:sp>
-        <p:nvSpPr>
-          <p:cNvPr id="24" name="椭圆 23"/>
-          <p:cNvSpPr/>
-          <p:nvPr/>
-        </p:nvSpPr>
-        <p:spPr>
-          <a:xfrm>
-            <a:off x="692952" y="137876"/>
-            <a:ext cx="713428" cy="713428"/>
-          </a:xfrm>
-          <a:prstGeom prst="ellipse">
-            <a:avLst/>
-          </a:prstGeom>
-          <a:solidFill>
-            <a:srgbClr val="6C92C0">
-              <a:alpha val="70000"/>
-            </a:srgbClr>
-          </a:solidFill>
-          <a:ln>
-            <a:noFill/>
-          </a:ln>
-        </p:spPr>
-        <p:style>
-          <a:lnRef idx="2">
-            <a:schemeClr val="accent1">
-              <a:shade val="50000"/>
-            </a:schemeClr>
-          </a:lnRef>
-          <a:fillRef idx="1">
-            <a:schemeClr val="accent1"/>
-          </a:fillRef>
-          <a:effectRef idx="0">
-            <a:schemeClr val="accent1"/>
-          </a:effectRef>
-          <a:fontRef idx="minor">
-            <a:schemeClr val="lt1"/>
-          </a:fontRef>
-        </p:style>
-        <p:txBody>
-          <a:bodyPr rtlCol="0" anchor="ctr"/>
-          <a:lstStyle/>
-          <a:p>
-            <a:pPr algn="ctr"/>
-            <a:endParaRPr lang="zh-CN" altLang="en-US"/>
-          </a:p>
-        </p:txBody>
-      </p:sp>
-      <p:sp>
-        <p:nvSpPr>
-          <p:cNvPr id="23" name="椭圆 22"/>
-          <p:cNvSpPr/>
-          <p:nvPr/>
-        </p:nvSpPr>
-        <p:spPr>
-          <a:xfrm>
-            <a:off x="804058" y="70952"/>
-            <a:ext cx="2453640" cy="2453640"/>
-          </a:xfrm>
-          <a:prstGeom prst="ellipse">
-            <a:avLst/>
-          </a:prstGeom>
-          <a:solidFill>
-            <a:srgbClr val="48A2A0">
-              <a:alpha val="70000"/>
-            </a:srgbClr>
-          </a:solidFill>
-          <a:ln>
-            <a:noFill/>
-          </a:ln>
-        </p:spPr>
-        <p:style>
-          <a:lnRef idx="2">
-            <a:schemeClr val="accent1">
-              <a:shade val="50000"/>
-            </a:schemeClr>
-          </a:lnRef>
-          <a:fillRef idx="1">
-            <a:schemeClr val="accent1"/>
-          </a:fillRef>
-          <a:effectRef idx="0">
-            <a:schemeClr val="accent1"/>
-          </a:effectRef>
-          <a:fontRef idx="minor">
-            <a:schemeClr val="lt1"/>
-          </a:fontRef>
-        </p:style>
-        <p:txBody>
-          <a:bodyPr rtlCol="0" anchor="ctr"/>
-          <a:lstStyle/>
-          <a:p>
-            <a:pPr algn="ctr"/>
-            <a:endParaRPr lang="zh-CN" altLang="en-US"/>
-          </a:p>
-        </p:txBody>
-      </p:sp>
-      <p:sp>
-        <p:nvSpPr>
-          <p:cNvPr id="2" name="MH_Others_1"/>
-          <p:cNvSpPr txBox="1"/>
-          <p:nvPr>
-            <p:custDataLst>
-              <p:tags r:id="rId1"/>
-            </p:custDataLst>
-          </p:nvPr>
-        </p:nvSpPr>
-        <p:spPr>
-          <a:xfrm>
-            <a:off x="95780" y="851304"/>
-            <a:ext cx="3955467" cy="847938"/>
-          </a:xfrm>
-          <a:prstGeom prst="rect">
-            <a:avLst/>
-          </a:prstGeom>
-          <a:noFill/>
-        </p:spPr>
-        <p:txBody>
-          <a:bodyPr wrap="square" rtlCol="0">
-            <a:noAutofit/>
-          </a:bodyPr>
-          <a:lstStyle/>
-          <a:p>
-            <a:pPr algn="ctr"/>
-            <a:r>
-              <a:rPr lang="zh-CN" altLang="en-US" sz="4400" dirty="0">
-                <a:solidFill>
-                  <a:schemeClr val="bg1"/>
-                </a:solidFill>
-                <a:effectLst>
-                  <a:outerShdw blurRad="38100" dist="38100" dir="2700000" algn="tl">
-                    <a:srgbClr val="000000">
-                      <a:alpha val="43137"/>
-                    </a:srgbClr>
-                  </a:outerShdw>
-                </a:effectLst>
-                <a:latin typeface="+mj-lt"/>
-                <a:cs typeface="Arial" panose="020B0604020202020204" pitchFamily="34" charset="0"/>
-              </a:rPr>
-              <a:t>目录</a:t>
-            </a:r>
-          </a:p>
-        </p:txBody>
-      </p:sp>
-      <p:sp>
-        <p:nvSpPr>
-          <p:cNvPr id="3" name="文本框 2"/>
-          <p:cNvSpPr txBox="1"/>
-          <p:nvPr/>
-        </p:nvSpPr>
-        <p:spPr>
-          <a:xfrm>
-            <a:off x="4051247" y="1589947"/>
-            <a:ext cx="3992245" cy="521970"/>
-          </a:xfrm>
-          <a:prstGeom prst="rect">
-            <a:avLst/>
-          </a:prstGeom>
-          <a:noFill/>
-        </p:spPr>
-        <p:txBody>
-          <a:bodyPr wrap="square" rtlCol="0">
-            <a:spAutoFit/>
-          </a:bodyPr>
-          <a:lstStyle/>
-          <a:p>
-            <a:r>
-              <a:rPr lang="en-US" altLang="zh-CN" sz="2800" b="1" dirty="0">
-                <a:solidFill>
-                  <a:schemeClr val="tx1"/>
-                </a:solidFill>
-                <a:uFillTx/>
-                <a:latin typeface="SimHei" panose="02010609060101010101" pitchFamily="49" charset="-122"/>
-                <a:ea typeface="SimHei" panose="02010609060101010101" pitchFamily="49" charset="-122"/>
-              </a:rPr>
-              <a:t>1.</a:t>
-            </a:r>
-            <a:r>
-              <a:rPr lang="en-US" altLang="zh-CN" sz="2800" b="1" dirty="0">
-                <a:latin typeface="SimHei" panose="02010609060101010101" pitchFamily="49" charset="-122"/>
-                <a:ea typeface="SimHei" panose="02010609060101010101" pitchFamily="49" charset="-122"/>
-              </a:rPr>
-              <a:t>UML</a:t>
-            </a:r>
-            <a:r>
-              <a:rPr lang="zh-CN" altLang="en-US" sz="2800" b="1" dirty="0">
-                <a:latin typeface="SimHei" panose="02010609060101010101" pitchFamily="49" charset="-122"/>
-                <a:ea typeface="SimHei" panose="02010609060101010101" pitchFamily="49" charset="-122"/>
-              </a:rPr>
-              <a:t>介绍</a:t>
-            </a:r>
-            <a:endParaRPr lang="zh-CN" altLang="en-US" sz="2800" b="1" dirty="0">
-              <a:solidFill>
-                <a:schemeClr val="tx1"/>
-              </a:solidFill>
-              <a:uFillTx/>
-              <a:latin typeface="SimHei" panose="02010609060101010101" pitchFamily="49" charset="-122"/>
-              <a:ea typeface="SimHei" panose="02010609060101010101" pitchFamily="49" charset="-122"/>
-            </a:endParaRPr>
-          </a:p>
-        </p:txBody>
-      </p:sp>
-      <p:sp>
-        <p:nvSpPr>
-          <p:cNvPr id="10" name="文本框 9"/>
-          <p:cNvSpPr txBox="1"/>
-          <p:nvPr/>
-        </p:nvSpPr>
-        <p:spPr>
-          <a:xfrm>
-            <a:off x="4099877" y="2531392"/>
-            <a:ext cx="3992245" cy="521970"/>
-          </a:xfrm>
-          <a:prstGeom prst="rect">
-            <a:avLst/>
-          </a:prstGeom>
-          <a:noFill/>
-        </p:spPr>
-        <p:txBody>
-          <a:bodyPr wrap="square" rtlCol="0">
-            <a:spAutoFit/>
-          </a:bodyPr>
-          <a:lstStyle/>
-          <a:p>
-            <a:r>
-              <a:rPr lang="en-US" altLang="zh-CN" sz="2800" b="1" dirty="0">
-                <a:latin typeface="SimHei" panose="02010609060101010101" pitchFamily="49" charset="-122"/>
-                <a:ea typeface="SimHei" panose="02010609060101010101" pitchFamily="49" charset="-122"/>
-              </a:rPr>
-              <a:t>2.UML</a:t>
-            </a:r>
-            <a:r>
-              <a:rPr lang="zh-CN" altLang="en-US" sz="2800" b="1" dirty="0">
-                <a:latin typeface="SimHei" panose="02010609060101010101" pitchFamily="49" charset="-122"/>
-                <a:ea typeface="SimHei" panose="02010609060101010101" pitchFamily="49" charset="-122"/>
-              </a:rPr>
-              <a:t>综合应用</a:t>
-            </a:r>
-          </a:p>
-        </p:txBody>
-      </p:sp>
-      <p:sp>
-        <p:nvSpPr>
-          <p:cNvPr id="11" name="文本框 10"/>
-          <p:cNvSpPr txBox="1"/>
-          <p:nvPr/>
-        </p:nvSpPr>
-        <p:spPr>
-          <a:xfrm>
-            <a:off x="4099877" y="3588989"/>
-            <a:ext cx="3992245" cy="523220"/>
-          </a:xfrm>
-          <a:prstGeom prst="rect">
-            <a:avLst/>
-          </a:prstGeom>
-          <a:noFill/>
-        </p:spPr>
-        <p:txBody>
-          <a:bodyPr wrap="square" rtlCol="0">
-            <a:spAutoFit/>
-          </a:bodyPr>
-          <a:lstStyle/>
-          <a:p>
-            <a:r>
-              <a:rPr lang="en-US" altLang="zh-CN" sz="2800" b="1" dirty="0">
-                <a:latin typeface="SimHei" panose="02010609060101010101" pitchFamily="49" charset="-122"/>
-                <a:ea typeface="SimHei" panose="02010609060101010101" pitchFamily="49" charset="-122"/>
-              </a:rPr>
-              <a:t>3.</a:t>
-            </a:r>
-            <a:r>
-              <a:rPr lang="zh-CN" altLang="en-US" sz="2800" b="1" dirty="0">
-                <a:latin typeface="SimHei" panose="02010609060101010101" pitchFamily="49" charset="-122"/>
-                <a:ea typeface="SimHei" panose="02010609060101010101" pitchFamily="49" charset="-122"/>
-              </a:rPr>
-              <a:t>问题解答</a:t>
-            </a:r>
-            <a:endParaRPr lang="en-US" altLang="zh-CN" sz="2800" b="1" dirty="0">
-              <a:latin typeface="SimHei" panose="02010609060101010101" pitchFamily="49" charset="-122"/>
-              <a:ea typeface="SimHei" panose="02010609060101010101" pitchFamily="49" charset="-122"/>
             </a:endParaRPr>
           </a:p>
         </p:txBody>

--- a/2018-12-16/[PRD-15]UML基础IIII.pptx
+++ b/2018-12-16/[PRD-15]UML基础IIII.pptx
@@ -5,7 +5,7 @@
     <p:sldMasterId id="2147483648" r:id="rId1"/>
   </p:sldMasterIdLst>
   <p:notesMasterIdLst>
-    <p:notesMasterId r:id="rId22"/>
+    <p:notesMasterId r:id="rId23"/>
   </p:notesMasterIdLst>
   <p:sldIdLst>
     <p:sldId id="318" r:id="rId2"/>
@@ -18,16 +18,17 @@
     <p:sldId id="322" r:id="rId9"/>
     <p:sldId id="323" r:id="rId10"/>
     <p:sldId id="306" r:id="rId11"/>
-    <p:sldId id="307" r:id="rId12"/>
-    <p:sldId id="324" r:id="rId13"/>
-    <p:sldId id="277" r:id="rId14"/>
-    <p:sldId id="395" r:id="rId15"/>
-    <p:sldId id="389" r:id="rId16"/>
-    <p:sldId id="391" r:id="rId17"/>
-    <p:sldId id="392" r:id="rId18"/>
-    <p:sldId id="394" r:id="rId19"/>
-    <p:sldId id="325" r:id="rId20"/>
-    <p:sldId id="276" r:id="rId21"/>
+    <p:sldId id="396" r:id="rId12"/>
+    <p:sldId id="307" r:id="rId13"/>
+    <p:sldId id="324" r:id="rId14"/>
+    <p:sldId id="277" r:id="rId15"/>
+    <p:sldId id="395" r:id="rId16"/>
+    <p:sldId id="389" r:id="rId17"/>
+    <p:sldId id="391" r:id="rId18"/>
+    <p:sldId id="392" r:id="rId19"/>
+    <p:sldId id="394" r:id="rId20"/>
+    <p:sldId id="325" r:id="rId21"/>
+    <p:sldId id="276" r:id="rId22"/>
   </p:sldIdLst>
   <p:sldSz cx="12192000" cy="6858000"/>
   <p:notesSz cx="6858000" cy="9144000"/>
@@ -216,7 +217,7 @@
           <a:p>
             <a:fld id="{85E965D1-5AFF-481E-87DD-1D4AA0E16118}" type="datetimeFigureOut">
               <a:rPr lang="zh-CN" altLang="en-US" smtClean="0"/>
-              <a:t>2018/12/24</a:t>
+              <a:t>2018/12/25</a:t>
             </a:fld>
             <a:endParaRPr lang="zh-CN" altLang="en-US"/>
           </a:p>
@@ -1775,6 +1776,11 @@
         </p:txBody>
       </p:sp>
     </p:spTree>
+    <p:extLst>
+      <p:ext uri="{BB962C8B-B14F-4D97-AF65-F5344CB8AC3E}">
+        <p14:creationId xmlns:p14="http://schemas.microsoft.com/office/powerpoint/2010/main" val="2089784368"/>
+      </p:ext>
+    </p:extLst>
   </p:cSld>
   <p:clrMapOvr>
     <a:masterClrMapping/>
@@ -1845,9 +1851,88 @@
           <a:bodyPr/>
           <a:lstStyle/>
           <a:p>
+            <a:fld id="{D03F297A-3586-2847-B61B-EC71B10EF806}" type="slidenum">
+              <a:rPr kumimoji="1" lang="zh-CN" altLang="en-US" smtClean="0"/>
+              <a:t>12</a:t>
+            </a:fld>
+            <a:endParaRPr kumimoji="1" lang="zh-CN" altLang="en-US"/>
+          </a:p>
+        </p:txBody>
+      </p:sp>
+    </p:spTree>
+  </p:cSld>
+  <p:clrMapOvr>
+    <a:masterClrMapping/>
+  </p:clrMapOvr>
+</p:notes>
+</file>
+
+<file path=ppt/notesSlides/notesSlide9.xml><?xml version="1.0" encoding="utf-8"?>
+<p:notes xmlns:a="http://schemas.openxmlformats.org/drawingml/2006/main" xmlns:r="http://schemas.openxmlformats.org/officeDocument/2006/relationships" xmlns:p="http://schemas.openxmlformats.org/presentationml/2006/main">
+  <p:cSld>
+    <p:spTree>
+      <p:nvGrpSpPr>
+        <p:cNvPr id="1" name=""/>
+        <p:cNvGrpSpPr/>
+        <p:nvPr/>
+      </p:nvGrpSpPr>
+      <p:grpSpPr>
+        <a:xfrm>
+          <a:off x="0" y="0"/>
+          <a:ext cx="0" cy="0"/>
+          <a:chOff x="0" y="0"/>
+          <a:chExt cx="0" cy="0"/>
+        </a:xfrm>
+      </p:grpSpPr>
+      <p:sp>
+        <p:nvSpPr>
+          <p:cNvPr id="2" name="幻灯片图像占位符 1"/>
+          <p:cNvSpPr>
+            <a:spLocks noGrp="1" noRot="1" noChangeAspect="1"/>
+          </p:cNvSpPr>
+          <p:nvPr>
+            <p:ph type="sldImg"/>
+          </p:nvPr>
+        </p:nvSpPr>
+        <p:spPr/>
+      </p:sp>
+      <p:sp>
+        <p:nvSpPr>
+          <p:cNvPr id="3" name="备注占位符 2"/>
+          <p:cNvSpPr>
+            <a:spLocks noGrp="1"/>
+          </p:cNvSpPr>
+          <p:nvPr>
+            <p:ph type="body" idx="1"/>
+          </p:nvPr>
+        </p:nvSpPr>
+        <p:spPr/>
+        <p:txBody>
+          <a:bodyPr/>
+          <a:lstStyle/>
+          <a:p>
+            <a:endParaRPr kumimoji="1" lang="zh-CN" altLang="en-US" dirty="0"/>
+          </a:p>
+        </p:txBody>
+      </p:sp>
+      <p:sp>
+        <p:nvSpPr>
+          <p:cNvPr id="4" name="灯片编号占位符 3"/>
+          <p:cNvSpPr>
+            <a:spLocks noGrp="1"/>
+          </p:cNvSpPr>
+          <p:nvPr>
+            <p:ph type="sldNum" sz="quarter" idx="5"/>
+          </p:nvPr>
+        </p:nvSpPr>
+        <p:spPr/>
+        <p:txBody>
+          <a:bodyPr/>
+          <a:lstStyle/>
+          <a:p>
             <a:fld id="{74B31000-9408-426B-B873-D4C066E48AF8}" type="slidenum">
               <a:rPr lang="zh-CN" altLang="en-US" smtClean="0"/>
-              <a:t>19</a:t>
+              <a:t>20</a:t>
             </a:fld>
             <a:endParaRPr lang="zh-CN" altLang="en-US"/>
           </a:p>
@@ -2008,7 +2093,7 @@
           <a:p>
             <a:fld id="{AEB61CDC-E34C-4601-928D-92E01F26597B}" type="datetimeFigureOut">
               <a:rPr lang="zh-CN" altLang="en-US" smtClean="0"/>
-              <a:t>2018/12/24</a:t>
+              <a:t>2018/12/25</a:t>
             </a:fld>
             <a:endParaRPr lang="zh-CN" altLang="en-US"/>
           </a:p>
@@ -2206,7 +2291,7 @@
           <a:p>
             <a:fld id="{AEB61CDC-E34C-4601-928D-92E01F26597B}" type="datetimeFigureOut">
               <a:rPr lang="zh-CN" altLang="en-US" smtClean="0"/>
-              <a:t>2018/12/24</a:t>
+              <a:t>2018/12/25</a:t>
             </a:fld>
             <a:endParaRPr lang="zh-CN" altLang="en-US"/>
           </a:p>
@@ -2414,7 +2499,7 @@
           <a:p>
             <a:fld id="{AEB61CDC-E34C-4601-928D-92E01F26597B}" type="datetimeFigureOut">
               <a:rPr lang="zh-CN" altLang="en-US" smtClean="0"/>
-              <a:t>2018/12/24</a:t>
+              <a:t>2018/12/25</a:t>
             </a:fld>
             <a:endParaRPr lang="zh-CN" altLang="en-US"/>
           </a:p>
@@ -2642,7 +2727,7 @@
           <a:p>
             <a:fld id="{AEB61CDC-E34C-4601-928D-92E01F26597B}" type="datetimeFigureOut">
               <a:rPr lang="zh-CN" altLang="en-US" smtClean="0"/>
-              <a:t>2018/12/24</a:t>
+              <a:t>2018/12/25</a:t>
             </a:fld>
             <a:endParaRPr lang="zh-CN" altLang="en-US"/>
           </a:p>
@@ -2917,7 +3002,7 @@
           <a:p>
             <a:fld id="{AEB61CDC-E34C-4601-928D-92E01F26597B}" type="datetimeFigureOut">
               <a:rPr lang="zh-CN" altLang="en-US" smtClean="0"/>
-              <a:t>2018/12/24</a:t>
+              <a:t>2018/12/25</a:t>
             </a:fld>
             <a:endParaRPr lang="zh-CN" altLang="en-US"/>
           </a:p>
@@ -3182,7 +3267,7 @@
           <a:p>
             <a:fld id="{AEB61CDC-E34C-4601-928D-92E01F26597B}" type="datetimeFigureOut">
               <a:rPr lang="zh-CN" altLang="en-US" smtClean="0"/>
-              <a:t>2018/12/24</a:t>
+              <a:t>2018/12/25</a:t>
             </a:fld>
             <a:endParaRPr lang="zh-CN" altLang="en-US"/>
           </a:p>
@@ -3594,7 +3679,7 @@
           <a:p>
             <a:fld id="{AEB61CDC-E34C-4601-928D-92E01F26597B}" type="datetimeFigureOut">
               <a:rPr lang="zh-CN" altLang="en-US" smtClean="0"/>
-              <a:t>2018/12/24</a:t>
+              <a:t>2018/12/25</a:t>
             </a:fld>
             <a:endParaRPr lang="zh-CN" altLang="en-US"/>
           </a:p>
@@ -3735,7 +3820,7 @@
           <a:p>
             <a:fld id="{AEB61CDC-E34C-4601-928D-92E01F26597B}" type="datetimeFigureOut">
               <a:rPr lang="zh-CN" altLang="en-US" smtClean="0"/>
-              <a:t>2018/12/24</a:t>
+              <a:t>2018/12/25</a:t>
             </a:fld>
             <a:endParaRPr lang="zh-CN" altLang="en-US"/>
           </a:p>
@@ -3848,7 +3933,7 @@
           <a:p>
             <a:fld id="{AEB61CDC-E34C-4601-928D-92E01F26597B}" type="datetimeFigureOut">
               <a:rPr lang="zh-CN" altLang="en-US" smtClean="0"/>
-              <a:t>2018/12/24</a:t>
+              <a:t>2018/12/25</a:t>
             </a:fld>
             <a:endParaRPr lang="zh-CN" altLang="en-US"/>
           </a:p>
@@ -4159,7 +4244,7 @@
           <a:p>
             <a:fld id="{AEB61CDC-E34C-4601-928D-92E01F26597B}" type="datetimeFigureOut">
               <a:rPr lang="zh-CN" altLang="en-US" smtClean="0"/>
-              <a:t>2018/12/24</a:t>
+              <a:t>2018/12/25</a:t>
             </a:fld>
             <a:endParaRPr lang="zh-CN" altLang="en-US"/>
           </a:p>
@@ -4447,7 +4532,7 @@
           <a:p>
             <a:fld id="{AEB61CDC-E34C-4601-928D-92E01F26597B}" type="datetimeFigureOut">
               <a:rPr lang="zh-CN" altLang="en-US" smtClean="0"/>
-              <a:t>2018/12/24</a:t>
+              <a:t>2018/12/25</a:t>
             </a:fld>
             <a:endParaRPr lang="zh-CN" altLang="en-US"/>
           </a:p>
@@ -4688,7 +4773,7 @@
           <a:p>
             <a:fld id="{AEB61CDC-E34C-4601-928D-92E01F26597B}" type="datetimeFigureOut">
               <a:rPr lang="zh-CN" altLang="en-US" smtClean="0"/>
-              <a:t>2018/12/24</a:t>
+              <a:t>2018/12/25</a:t>
             </a:fld>
             <a:endParaRPr lang="zh-CN" altLang="en-US"/>
           </a:p>
@@ -6769,6 +6854,607 @@
         <p:spPr>
           <a:xfrm>
             <a:off x="133290" y="101208"/>
+            <a:ext cx="1415772" cy="461665"/>
+          </a:xfrm>
+          <a:prstGeom prst="rect">
+            <a:avLst/>
+          </a:prstGeom>
+        </p:spPr>
+        <p:txBody>
+          <a:bodyPr wrap="none">
+            <a:spAutoFit/>
+          </a:bodyPr>
+          <a:lstStyle/>
+          <a:p>
+            <a:r>
+              <a:rPr lang="zh-CN" altLang="en-US" sz="2400" b="1" dirty="0">
+                <a:solidFill>
+                  <a:schemeClr val="tx1">
+                    <a:lumMod val="75000"/>
+                    <a:lumOff val="25000"/>
+                  </a:schemeClr>
+                </a:solidFill>
+              </a:rPr>
+              <a:t>项目的类</a:t>
+            </a:r>
+          </a:p>
+        </p:txBody>
+      </p:sp>
+      <p:sp>
+        <p:nvSpPr>
+          <p:cNvPr id="2" name="文本框 1">
+            <a:extLst>
+              <a:ext uri="{FF2B5EF4-FFF2-40B4-BE49-F238E27FC236}">
+                <a16:creationId xmlns:a16="http://schemas.microsoft.com/office/drawing/2014/main" id="{7554EA3C-5CAA-421D-95AE-595FC4F7E0CD}"/>
+              </a:ext>
+            </a:extLst>
+          </p:cNvPr>
+          <p:cNvSpPr txBox="1"/>
+          <p:nvPr/>
+        </p:nvSpPr>
+        <p:spPr>
+          <a:xfrm>
+            <a:off x="1447800" y="1879601"/>
+            <a:ext cx="7927170" cy="369332"/>
+          </a:xfrm>
+          <a:prstGeom prst="rect">
+            <a:avLst/>
+          </a:prstGeom>
+          <a:noFill/>
+        </p:spPr>
+        <p:txBody>
+          <a:bodyPr wrap="none" rtlCol="0">
+            <a:spAutoFit/>
+          </a:bodyPr>
+          <a:lstStyle/>
+          <a:p>
+            <a:r>
+              <a:rPr lang="en-US" altLang="zh-CN" dirty="0"/>
+              <a:t>2   			</a:t>
+            </a:r>
+            <a:r>
+              <a:rPr lang="zh-CN" altLang="en-US" dirty="0"/>
+              <a:t>管理员                     </a:t>
+            </a:r>
+            <a:r>
+              <a:rPr lang="en-US" altLang="zh-CN" dirty="0"/>
+              <a:t>	</a:t>
+            </a:r>
+            <a:r>
+              <a:rPr lang="zh-CN" altLang="en-US" dirty="0"/>
+              <a:t>  对网站进行系统管理</a:t>
+            </a:r>
+          </a:p>
+        </p:txBody>
+      </p:sp>
+      <p:sp>
+        <p:nvSpPr>
+          <p:cNvPr id="5" name="文本框 4">
+            <a:extLst>
+              <a:ext uri="{FF2B5EF4-FFF2-40B4-BE49-F238E27FC236}">
+                <a16:creationId xmlns:a16="http://schemas.microsoft.com/office/drawing/2014/main" id="{19FFD027-EE4A-4A42-90CA-53D2331CDDD9}"/>
+              </a:ext>
+            </a:extLst>
+          </p:cNvPr>
+          <p:cNvSpPr txBox="1"/>
+          <p:nvPr/>
+        </p:nvSpPr>
+        <p:spPr>
+          <a:xfrm>
+            <a:off x="1447800" y="2306600"/>
+            <a:ext cx="8079456" cy="369332"/>
+          </a:xfrm>
+          <a:prstGeom prst="rect">
+            <a:avLst/>
+          </a:prstGeom>
+          <a:noFill/>
+        </p:spPr>
+        <p:txBody>
+          <a:bodyPr wrap="none" rtlCol="0">
+            <a:spAutoFit/>
+          </a:bodyPr>
+          <a:lstStyle/>
+          <a:p>
+            <a:r>
+              <a:rPr lang="en-US" altLang="zh-CN" dirty="0"/>
+              <a:t>3   			</a:t>
+            </a:r>
+            <a:r>
+              <a:rPr lang="zh-CN" altLang="en-US" dirty="0"/>
+              <a:t>游客      </a:t>
+            </a:r>
+            <a:r>
+              <a:rPr lang="en-US" altLang="zh-CN" dirty="0"/>
+              <a:t>	</a:t>
+            </a:r>
+            <a:r>
+              <a:rPr lang="zh-CN" altLang="en-US" dirty="0"/>
+              <a:t>               </a:t>
+            </a:r>
+            <a:r>
+              <a:rPr lang="en-US" altLang="zh-CN" dirty="0"/>
+              <a:t>	</a:t>
+            </a:r>
+            <a:r>
+              <a:rPr lang="zh-CN" altLang="en-US" dirty="0"/>
+              <a:t>  进入网站进行浏览课程</a:t>
+            </a:r>
+          </a:p>
+        </p:txBody>
+      </p:sp>
+      <p:sp>
+        <p:nvSpPr>
+          <p:cNvPr id="6" name="文本框 5">
+            <a:extLst>
+              <a:ext uri="{FF2B5EF4-FFF2-40B4-BE49-F238E27FC236}">
+                <a16:creationId xmlns:a16="http://schemas.microsoft.com/office/drawing/2014/main" id="{78F2170B-EDCA-4AE6-A636-0017238423E1}"/>
+              </a:ext>
+            </a:extLst>
+          </p:cNvPr>
+          <p:cNvSpPr txBox="1"/>
+          <p:nvPr/>
+        </p:nvSpPr>
+        <p:spPr>
+          <a:xfrm>
+            <a:off x="1447800" y="2769532"/>
+            <a:ext cx="10366941" cy="369332"/>
+          </a:xfrm>
+          <a:prstGeom prst="rect">
+            <a:avLst/>
+          </a:prstGeom>
+          <a:noFill/>
+        </p:spPr>
+        <p:txBody>
+          <a:bodyPr wrap="none" rtlCol="0">
+            <a:spAutoFit/>
+          </a:bodyPr>
+          <a:lstStyle/>
+          <a:p>
+            <a:r>
+              <a:rPr lang="en-US" altLang="zh-CN" dirty="0"/>
+              <a:t>4   			</a:t>
+            </a:r>
+            <a:r>
+              <a:rPr lang="zh-CN" altLang="en-US" dirty="0"/>
+              <a:t>学生      </a:t>
+            </a:r>
+            <a:r>
+              <a:rPr lang="en-US" altLang="zh-CN" dirty="0"/>
+              <a:t>	</a:t>
+            </a:r>
+            <a:r>
+              <a:rPr lang="zh-CN" altLang="en-US" dirty="0"/>
+              <a:t>               </a:t>
+            </a:r>
+            <a:r>
+              <a:rPr lang="en-US" altLang="zh-CN" dirty="0"/>
+              <a:t>	</a:t>
+            </a:r>
+            <a:r>
+              <a:rPr lang="zh-CN" altLang="en-US" dirty="0"/>
+              <a:t>  进入网站进行课程学习、社区、博客使用</a:t>
+            </a:r>
+          </a:p>
+        </p:txBody>
+      </p:sp>
+      <p:sp>
+        <p:nvSpPr>
+          <p:cNvPr id="7" name="文本框 6">
+            <a:extLst>
+              <a:ext uri="{FF2B5EF4-FFF2-40B4-BE49-F238E27FC236}">
+                <a16:creationId xmlns:a16="http://schemas.microsoft.com/office/drawing/2014/main" id="{6AED2382-85F2-4644-89E1-1B36C2A52D60}"/>
+              </a:ext>
+            </a:extLst>
+          </p:cNvPr>
+          <p:cNvSpPr txBox="1"/>
+          <p:nvPr/>
+        </p:nvSpPr>
+        <p:spPr>
+          <a:xfrm>
+            <a:off x="1447799" y="3244334"/>
+            <a:ext cx="10147330" cy="369332"/>
+          </a:xfrm>
+          <a:prstGeom prst="rect">
+            <a:avLst/>
+          </a:prstGeom>
+          <a:noFill/>
+        </p:spPr>
+        <p:txBody>
+          <a:bodyPr wrap="none" rtlCol="0">
+            <a:spAutoFit/>
+          </a:bodyPr>
+          <a:lstStyle/>
+          <a:p>
+            <a:r>
+              <a:rPr lang="en-US" altLang="zh-CN" dirty="0"/>
+              <a:t>5   			</a:t>
+            </a:r>
+            <a:r>
+              <a:rPr lang="zh-CN" altLang="en-US" dirty="0"/>
+              <a:t>教师      </a:t>
+            </a:r>
+            <a:r>
+              <a:rPr lang="en-US" altLang="zh-CN" dirty="0"/>
+              <a:t>	</a:t>
+            </a:r>
+            <a:r>
+              <a:rPr lang="zh-CN" altLang="en-US" dirty="0"/>
+              <a:t>               </a:t>
+            </a:r>
+            <a:r>
+              <a:rPr lang="en-US" altLang="zh-CN" dirty="0"/>
+              <a:t>	</a:t>
+            </a:r>
+            <a:r>
+              <a:rPr lang="zh-CN" altLang="en-US" dirty="0"/>
+              <a:t>  进入网站进行课程管理、社区、博客使用</a:t>
+            </a:r>
+          </a:p>
+        </p:txBody>
+      </p:sp>
+      <p:sp>
+        <p:nvSpPr>
+          <p:cNvPr id="8" name="文本框 7">
+            <a:extLst>
+              <a:ext uri="{FF2B5EF4-FFF2-40B4-BE49-F238E27FC236}">
+                <a16:creationId xmlns:a16="http://schemas.microsoft.com/office/drawing/2014/main" id="{7DC5C1BF-18DE-4487-9EE5-0A629C852240}"/>
+              </a:ext>
+            </a:extLst>
+          </p:cNvPr>
+          <p:cNvSpPr txBox="1"/>
+          <p:nvPr/>
+        </p:nvSpPr>
+        <p:spPr>
+          <a:xfrm>
+            <a:off x="1447799" y="3671333"/>
+            <a:ext cx="7435049" cy="369332"/>
+          </a:xfrm>
+          <a:prstGeom prst="rect">
+            <a:avLst/>
+          </a:prstGeom>
+          <a:noFill/>
+        </p:spPr>
+        <p:txBody>
+          <a:bodyPr wrap="none" rtlCol="0">
+            <a:spAutoFit/>
+          </a:bodyPr>
+          <a:lstStyle/>
+          <a:p>
+            <a:r>
+              <a:rPr lang="en-US" altLang="zh-CN" dirty="0"/>
+              <a:t>6   			</a:t>
+            </a:r>
+            <a:r>
+              <a:rPr lang="zh-CN" altLang="en-US" dirty="0"/>
+              <a:t>课程      </a:t>
+            </a:r>
+            <a:r>
+              <a:rPr lang="en-US" altLang="zh-CN" dirty="0"/>
+              <a:t>	</a:t>
+            </a:r>
+            <a:r>
+              <a:rPr lang="zh-CN" altLang="en-US" dirty="0"/>
+              <a:t>               </a:t>
+            </a:r>
+            <a:r>
+              <a:rPr lang="en-US" altLang="zh-CN" dirty="0"/>
+              <a:t>	</a:t>
+            </a:r>
+            <a:r>
+              <a:rPr lang="zh-CN" altLang="en-US" dirty="0"/>
+              <a:t>  课程的基本信息</a:t>
+            </a:r>
+          </a:p>
+        </p:txBody>
+      </p:sp>
+      <p:sp>
+        <p:nvSpPr>
+          <p:cNvPr id="9" name="文本框 8">
+            <a:extLst>
+              <a:ext uri="{FF2B5EF4-FFF2-40B4-BE49-F238E27FC236}">
+                <a16:creationId xmlns:a16="http://schemas.microsoft.com/office/drawing/2014/main" id="{B2CE5734-9A0B-43B3-92AF-23ED4B8DCA2B}"/>
+              </a:ext>
+            </a:extLst>
+          </p:cNvPr>
+          <p:cNvSpPr txBox="1"/>
+          <p:nvPr/>
+        </p:nvSpPr>
+        <p:spPr>
+          <a:xfrm>
+            <a:off x="1447799" y="4134265"/>
+            <a:ext cx="8024954" cy="369332"/>
+          </a:xfrm>
+          <a:prstGeom prst="rect">
+            <a:avLst/>
+          </a:prstGeom>
+          <a:noFill/>
+        </p:spPr>
+        <p:txBody>
+          <a:bodyPr wrap="none" rtlCol="0">
+            <a:spAutoFit/>
+          </a:bodyPr>
+          <a:lstStyle/>
+          <a:p>
+            <a:r>
+              <a:rPr lang="en-US" altLang="zh-CN" dirty="0"/>
+              <a:t>7   			</a:t>
+            </a:r>
+            <a:r>
+              <a:rPr lang="zh-CN" altLang="en-US" dirty="0"/>
+              <a:t>课程资料      </a:t>
+            </a:r>
+            <a:r>
+              <a:rPr lang="en-US" altLang="zh-CN" dirty="0"/>
+              <a:t>	</a:t>
+            </a:r>
+            <a:r>
+              <a:rPr lang="zh-CN" altLang="en-US" dirty="0"/>
+              <a:t>              </a:t>
+            </a:r>
+            <a:r>
+              <a:rPr lang="en-US" altLang="zh-CN" dirty="0"/>
+              <a:t>	  </a:t>
+            </a:r>
+            <a:r>
+              <a:rPr lang="zh-CN" altLang="en-US" dirty="0"/>
+              <a:t>课程资料的基本信息</a:t>
+            </a:r>
+          </a:p>
+        </p:txBody>
+      </p:sp>
+      <p:sp>
+        <p:nvSpPr>
+          <p:cNvPr id="10" name="文本框 9">
+            <a:extLst>
+              <a:ext uri="{FF2B5EF4-FFF2-40B4-BE49-F238E27FC236}">
+                <a16:creationId xmlns:a16="http://schemas.microsoft.com/office/drawing/2014/main" id="{7402D897-62C8-4C97-848F-4F1D99058362}"/>
+              </a:ext>
+            </a:extLst>
+          </p:cNvPr>
+          <p:cNvSpPr txBox="1"/>
+          <p:nvPr/>
+        </p:nvSpPr>
+        <p:spPr>
+          <a:xfrm>
+            <a:off x="1447799" y="4597197"/>
+            <a:ext cx="7431843" cy="369332"/>
+          </a:xfrm>
+          <a:prstGeom prst="rect">
+            <a:avLst/>
+          </a:prstGeom>
+          <a:noFill/>
+        </p:spPr>
+        <p:txBody>
+          <a:bodyPr wrap="none" rtlCol="0">
+            <a:spAutoFit/>
+          </a:bodyPr>
+          <a:lstStyle/>
+          <a:p>
+            <a:r>
+              <a:rPr lang="en-US" altLang="zh-CN" dirty="0"/>
+              <a:t>8   			</a:t>
+            </a:r>
+            <a:r>
+              <a:rPr lang="zh-CN" altLang="en-US" dirty="0"/>
+              <a:t>社区      </a:t>
+            </a:r>
+            <a:r>
+              <a:rPr lang="en-US" altLang="zh-CN" dirty="0"/>
+              <a:t>	</a:t>
+            </a:r>
+            <a:r>
+              <a:rPr lang="zh-CN" altLang="en-US" dirty="0"/>
+              <a:t>              </a:t>
+            </a:r>
+            <a:r>
+              <a:rPr lang="en-US" altLang="zh-CN" dirty="0"/>
+              <a:t>	  	  </a:t>
+            </a:r>
+            <a:r>
+              <a:rPr lang="zh-CN" altLang="en-US" dirty="0"/>
+              <a:t>社区的基本信息</a:t>
+            </a:r>
+          </a:p>
+        </p:txBody>
+      </p:sp>
+      <p:sp>
+        <p:nvSpPr>
+          <p:cNvPr id="11" name="文本框 10">
+            <a:extLst>
+              <a:ext uri="{FF2B5EF4-FFF2-40B4-BE49-F238E27FC236}">
+                <a16:creationId xmlns:a16="http://schemas.microsoft.com/office/drawing/2014/main" id="{8C81570D-333E-48F4-9F4D-286CE7E0F50A}"/>
+              </a:ext>
+            </a:extLst>
+          </p:cNvPr>
+          <p:cNvSpPr txBox="1"/>
+          <p:nvPr/>
+        </p:nvSpPr>
+        <p:spPr>
+          <a:xfrm>
+            <a:off x="1447798" y="5024196"/>
+            <a:ext cx="7465505" cy="369332"/>
+          </a:xfrm>
+          <a:prstGeom prst="rect">
+            <a:avLst/>
+          </a:prstGeom>
+          <a:noFill/>
+        </p:spPr>
+        <p:txBody>
+          <a:bodyPr wrap="none" rtlCol="0">
+            <a:spAutoFit/>
+          </a:bodyPr>
+          <a:lstStyle/>
+          <a:p>
+            <a:r>
+              <a:rPr lang="en-US" altLang="zh-CN" dirty="0"/>
+              <a:t>9   			</a:t>
+            </a:r>
+            <a:r>
+              <a:rPr lang="zh-CN" altLang="en-US" dirty="0"/>
+              <a:t>博客      </a:t>
+            </a:r>
+            <a:r>
+              <a:rPr lang="en-US" altLang="zh-CN" dirty="0"/>
+              <a:t>	</a:t>
+            </a:r>
+            <a:r>
+              <a:rPr lang="zh-CN" altLang="en-US" dirty="0"/>
+              <a:t>              </a:t>
+            </a:r>
+            <a:r>
+              <a:rPr lang="en-US" altLang="zh-CN" dirty="0"/>
+              <a:t>	  	  </a:t>
+            </a:r>
+            <a:r>
+              <a:rPr lang="zh-CN" altLang="en-US" dirty="0"/>
+              <a:t>博客的基本信息</a:t>
+            </a:r>
+          </a:p>
+        </p:txBody>
+      </p:sp>
+      <p:sp>
+        <p:nvSpPr>
+          <p:cNvPr id="12" name="文本框 11">
+            <a:extLst>
+              <a:ext uri="{FF2B5EF4-FFF2-40B4-BE49-F238E27FC236}">
+                <a16:creationId xmlns:a16="http://schemas.microsoft.com/office/drawing/2014/main" id="{6F8C2FAE-91F4-4E11-BF1F-86C0CBC2BC5D}"/>
+              </a:ext>
+            </a:extLst>
+          </p:cNvPr>
+          <p:cNvSpPr txBox="1"/>
+          <p:nvPr/>
+        </p:nvSpPr>
+        <p:spPr>
+          <a:xfrm>
+            <a:off x="1447798" y="1529878"/>
+            <a:ext cx="8465779" cy="369332"/>
+          </a:xfrm>
+          <a:prstGeom prst="rect">
+            <a:avLst/>
+          </a:prstGeom>
+          <a:noFill/>
+        </p:spPr>
+        <p:txBody>
+          <a:bodyPr wrap="none" rtlCol="0">
+            <a:spAutoFit/>
+          </a:bodyPr>
+          <a:lstStyle/>
+          <a:p>
+            <a:r>
+              <a:rPr lang="en-US" altLang="zh-CN" dirty="0"/>
+              <a:t>1   			</a:t>
+            </a:r>
+            <a:r>
+              <a:rPr lang="zh-CN" altLang="en-US" dirty="0"/>
+              <a:t>注册用户                     </a:t>
+            </a:r>
+            <a:r>
+              <a:rPr lang="en-US" altLang="zh-CN" dirty="0"/>
+              <a:t>	</a:t>
+            </a:r>
+            <a:r>
+              <a:rPr lang="zh-CN" altLang="en-US" dirty="0"/>
+              <a:t>  能进行网站的基本操作</a:t>
+            </a:r>
+          </a:p>
+        </p:txBody>
+      </p:sp>
+      <p:sp>
+        <p:nvSpPr>
+          <p:cNvPr id="13" name="文本框 12">
+            <a:extLst>
+              <a:ext uri="{FF2B5EF4-FFF2-40B4-BE49-F238E27FC236}">
+                <a16:creationId xmlns:a16="http://schemas.microsoft.com/office/drawing/2014/main" id="{FEDBDD81-BE6D-48A2-B9A2-255ADF8D5614}"/>
+              </a:ext>
+            </a:extLst>
+          </p:cNvPr>
+          <p:cNvSpPr txBox="1"/>
+          <p:nvPr/>
+        </p:nvSpPr>
+        <p:spPr>
+          <a:xfrm>
+            <a:off x="1447797" y="956851"/>
+            <a:ext cx="8940803" cy="369332"/>
+          </a:xfrm>
+          <a:prstGeom prst="rect">
+            <a:avLst/>
+          </a:prstGeom>
+          <a:noFill/>
+        </p:spPr>
+        <p:txBody>
+          <a:bodyPr wrap="square" rtlCol="0">
+            <a:spAutoFit/>
+          </a:bodyPr>
+          <a:lstStyle/>
+          <a:p>
+            <a:r>
+              <a:rPr lang="zh-CN" altLang="en-US" dirty="0"/>
+              <a:t>编号</a:t>
+            </a:r>
+            <a:r>
+              <a:rPr lang="en-US" altLang="zh-CN" dirty="0"/>
+              <a:t>   			  </a:t>
+            </a:r>
+            <a:r>
+              <a:rPr lang="zh-CN" altLang="en-US" dirty="0"/>
+              <a:t>类名称                     </a:t>
+            </a:r>
+            <a:r>
+              <a:rPr lang="en-US" altLang="zh-CN" dirty="0"/>
+              <a:t>		</a:t>
+            </a:r>
+            <a:r>
+              <a:rPr lang="zh-CN" altLang="en-US" dirty="0"/>
+              <a:t>  类说明</a:t>
+            </a:r>
+          </a:p>
+        </p:txBody>
+      </p:sp>
+    </p:spTree>
+    <p:extLst>
+      <p:ext uri="{BB962C8B-B14F-4D97-AF65-F5344CB8AC3E}">
+        <p14:creationId xmlns:p14="http://schemas.microsoft.com/office/powerpoint/2010/main" val="1064830036"/>
+      </p:ext>
+    </p:extLst>
+  </p:cSld>
+  <p:clrMapOvr>
+    <a:masterClrMapping/>
+  </p:clrMapOvr>
+</p:sld>
+</file>
+
+<file path=ppt/slides/slide12.xml><?xml version="1.0" encoding="utf-8"?>
+<p:sld xmlns:a="http://schemas.openxmlformats.org/drawingml/2006/main" xmlns:r="http://schemas.openxmlformats.org/officeDocument/2006/relationships" xmlns:p="http://schemas.openxmlformats.org/presentationml/2006/main">
+  <p:cSld>
+    <p:spTree>
+      <p:nvGrpSpPr>
+        <p:cNvPr id="1" name=""/>
+        <p:cNvGrpSpPr/>
+        <p:nvPr/>
+      </p:nvGrpSpPr>
+      <p:grpSpPr>
+        <a:xfrm>
+          <a:off x="0" y="0"/>
+          <a:ext cx="0" cy="0"/>
+          <a:chOff x="0" y="0"/>
+          <a:chExt cx="0" cy="0"/>
+        </a:xfrm>
+      </p:grpSpPr>
+      <p:sp>
+        <p:nvSpPr>
+          <p:cNvPr id="3" name="矩形 2">
+            <a:extLst>
+              <a:ext uri="{FF2B5EF4-FFF2-40B4-BE49-F238E27FC236}">
+                <a16:creationId xmlns:a16="http://schemas.microsoft.com/office/drawing/2014/main" id="{BE24B325-80C7-4177-B35A-6F4FD7ACB7BC}"/>
+              </a:ext>
+            </a:extLst>
+          </p:cNvPr>
+          <p:cNvSpPr/>
+          <p:nvPr/>
+        </p:nvSpPr>
+        <p:spPr>
+          <a:xfrm>
+            <a:off x="133290" y="101208"/>
             <a:ext cx="2031325" cy="461665"/>
           </a:xfrm>
           <a:prstGeom prst="rect">
@@ -6790,7 +7476,7 @@
                   </a:schemeClr>
                 </a:solidFill>
               </a:rPr>
-              <a:t>项目种的类图</a:t>
+              <a:t>项目中的类图</a:t>
             </a:r>
           </a:p>
         </p:txBody>
@@ -6844,7 +7530,7 @@
 </p:sld>
 </file>
 
-<file path=ppt/slides/slide12.xml><?xml version="1.0" encoding="utf-8"?>
+<file path=ppt/slides/slide13.xml><?xml version="1.0" encoding="utf-8"?>
 <p:sld xmlns:a="http://schemas.openxmlformats.org/drawingml/2006/main" xmlns:r="http://schemas.openxmlformats.org/officeDocument/2006/relationships" xmlns:p="http://schemas.openxmlformats.org/presentationml/2006/main">
   <p:cSld>
     <p:spTree>
@@ -7063,7 +7749,7 @@
 </p:sld>
 </file>
 
-<file path=ppt/slides/slide13.xml><?xml version="1.0" encoding="utf-8"?>
+<file path=ppt/slides/slide14.xml><?xml version="1.0" encoding="utf-8"?>
 <p:sld xmlns:a="http://schemas.openxmlformats.org/drawingml/2006/main" xmlns:r="http://schemas.openxmlformats.org/officeDocument/2006/relationships" xmlns:p="http://schemas.openxmlformats.org/presentationml/2006/main">
   <p:cSld>
     <p:spTree>
@@ -7283,7 +7969,7 @@
 </p:sld>
 </file>
 
-<file path=ppt/slides/slide14.xml><?xml version="1.0" encoding="utf-8"?>
+<file path=ppt/slides/slide15.xml><?xml version="1.0" encoding="utf-8"?>
 <p:sld xmlns:a="http://schemas.openxmlformats.org/drawingml/2006/main" xmlns:r="http://schemas.openxmlformats.org/officeDocument/2006/relationships" xmlns:p="http://schemas.openxmlformats.org/presentationml/2006/main">
   <p:cSld>
     <p:spTree>
@@ -7512,7 +8198,7 @@
 </p:sld>
 </file>
 
-<file path=ppt/slides/slide15.xml><?xml version="1.0" encoding="utf-8"?>
+<file path=ppt/slides/slide16.xml><?xml version="1.0" encoding="utf-8"?>
 <p:sld xmlns:a="http://schemas.openxmlformats.org/drawingml/2006/main" xmlns:r="http://schemas.openxmlformats.org/officeDocument/2006/relationships" xmlns:p="http://schemas.openxmlformats.org/presentationml/2006/main">
   <p:cSld>
     <p:spTree>
@@ -7753,7 +8439,7 @@
 </p:sld>
 </file>
 
-<file path=ppt/slides/slide16.xml><?xml version="1.0" encoding="utf-8"?>
+<file path=ppt/slides/slide17.xml><?xml version="1.0" encoding="utf-8"?>
 <p:sld xmlns:a="http://schemas.openxmlformats.org/drawingml/2006/main" xmlns:r="http://schemas.openxmlformats.org/officeDocument/2006/relationships" xmlns:p="http://schemas.openxmlformats.org/presentationml/2006/main">
   <p:cSld>
     <p:spTree>
@@ -8026,7 +8712,7 @@
 </p:sld>
 </file>
 
-<file path=ppt/slides/slide17.xml><?xml version="1.0" encoding="utf-8"?>
+<file path=ppt/slides/slide18.xml><?xml version="1.0" encoding="utf-8"?>
 <p:sld xmlns:a="http://schemas.openxmlformats.org/drawingml/2006/main" xmlns:r="http://schemas.openxmlformats.org/officeDocument/2006/relationships" xmlns:p="http://schemas.openxmlformats.org/presentationml/2006/main">
   <p:cSld>
     <p:spTree>
@@ -8315,7 +9001,7 @@
 </p:sld>
 </file>
 
-<file path=ppt/slides/slide18.xml><?xml version="1.0" encoding="utf-8"?>
+<file path=ppt/slides/slide19.xml><?xml version="1.0" encoding="utf-8"?>
 <p:sld xmlns:a="http://schemas.openxmlformats.org/drawingml/2006/main" xmlns:r="http://schemas.openxmlformats.org/officeDocument/2006/relationships" xmlns:p="http://schemas.openxmlformats.org/presentationml/2006/main">
   <p:cSld>
     <p:spTree>
@@ -8573,7 +9259,315 @@
 </p:sld>
 </file>
 
-<file path=ppt/slides/slide19.xml><?xml version="1.0" encoding="utf-8"?>
+<file path=ppt/slides/slide2.xml><?xml version="1.0" encoding="utf-8"?>
+<p:sld xmlns:a="http://schemas.openxmlformats.org/drawingml/2006/main" xmlns:r="http://schemas.openxmlformats.org/officeDocument/2006/relationships" xmlns:p="http://schemas.openxmlformats.org/presentationml/2006/main">
+  <p:cSld>
+    <p:spTree>
+      <p:nvGrpSpPr>
+        <p:cNvPr id="1" name=""/>
+        <p:cNvGrpSpPr/>
+        <p:nvPr/>
+      </p:nvGrpSpPr>
+      <p:grpSpPr>
+        <a:xfrm>
+          <a:off x="0" y="0"/>
+          <a:ext cx="0" cy="0"/>
+          <a:chOff x="0" y="0"/>
+          <a:chExt cx="0" cy="0"/>
+        </a:xfrm>
+      </p:grpSpPr>
+      <p:sp>
+        <p:nvSpPr>
+          <p:cNvPr id="24" name="椭圆 23"/>
+          <p:cNvSpPr/>
+          <p:nvPr/>
+        </p:nvSpPr>
+        <p:spPr>
+          <a:xfrm>
+            <a:off x="692952" y="137876"/>
+            <a:ext cx="713428" cy="713428"/>
+          </a:xfrm>
+          <a:prstGeom prst="ellipse">
+            <a:avLst/>
+          </a:prstGeom>
+          <a:solidFill>
+            <a:srgbClr val="6C92C0">
+              <a:alpha val="70000"/>
+            </a:srgbClr>
+          </a:solidFill>
+          <a:ln>
+            <a:noFill/>
+          </a:ln>
+        </p:spPr>
+        <p:style>
+          <a:lnRef idx="2">
+            <a:schemeClr val="accent1">
+              <a:shade val="50000"/>
+            </a:schemeClr>
+          </a:lnRef>
+          <a:fillRef idx="1">
+            <a:schemeClr val="accent1"/>
+          </a:fillRef>
+          <a:effectRef idx="0">
+            <a:schemeClr val="accent1"/>
+          </a:effectRef>
+          <a:fontRef idx="minor">
+            <a:schemeClr val="lt1"/>
+          </a:fontRef>
+        </p:style>
+        <p:txBody>
+          <a:bodyPr rtlCol="0" anchor="ctr"/>
+          <a:lstStyle/>
+          <a:p>
+            <a:pPr algn="ctr"/>
+            <a:endParaRPr lang="zh-CN" altLang="en-US"/>
+          </a:p>
+        </p:txBody>
+      </p:sp>
+      <p:sp>
+        <p:nvSpPr>
+          <p:cNvPr id="23" name="椭圆 22"/>
+          <p:cNvSpPr/>
+          <p:nvPr/>
+        </p:nvSpPr>
+        <p:spPr>
+          <a:xfrm>
+            <a:off x="804058" y="70952"/>
+            <a:ext cx="2453640" cy="2453640"/>
+          </a:xfrm>
+          <a:prstGeom prst="ellipse">
+            <a:avLst/>
+          </a:prstGeom>
+          <a:solidFill>
+            <a:srgbClr val="48A2A0">
+              <a:alpha val="70000"/>
+            </a:srgbClr>
+          </a:solidFill>
+          <a:ln>
+            <a:noFill/>
+          </a:ln>
+        </p:spPr>
+        <p:style>
+          <a:lnRef idx="2">
+            <a:schemeClr val="accent1">
+              <a:shade val="50000"/>
+            </a:schemeClr>
+          </a:lnRef>
+          <a:fillRef idx="1">
+            <a:schemeClr val="accent1"/>
+          </a:fillRef>
+          <a:effectRef idx="0">
+            <a:schemeClr val="accent1"/>
+          </a:effectRef>
+          <a:fontRef idx="minor">
+            <a:schemeClr val="lt1"/>
+          </a:fontRef>
+        </p:style>
+        <p:txBody>
+          <a:bodyPr rtlCol="0" anchor="ctr"/>
+          <a:lstStyle/>
+          <a:p>
+            <a:pPr algn="ctr"/>
+            <a:endParaRPr lang="zh-CN" altLang="en-US"/>
+          </a:p>
+        </p:txBody>
+      </p:sp>
+      <p:sp>
+        <p:nvSpPr>
+          <p:cNvPr id="2" name="MH_Others_1"/>
+          <p:cNvSpPr txBox="1"/>
+          <p:nvPr>
+            <p:custDataLst>
+              <p:tags r:id="rId1"/>
+            </p:custDataLst>
+          </p:nvPr>
+        </p:nvSpPr>
+        <p:spPr>
+          <a:xfrm>
+            <a:off x="95780" y="851304"/>
+            <a:ext cx="3955467" cy="847938"/>
+          </a:xfrm>
+          <a:prstGeom prst="rect">
+            <a:avLst/>
+          </a:prstGeom>
+          <a:noFill/>
+        </p:spPr>
+        <p:txBody>
+          <a:bodyPr wrap="square" rtlCol="0">
+            <a:noAutofit/>
+          </a:bodyPr>
+          <a:lstStyle/>
+          <a:p>
+            <a:pPr algn="ctr"/>
+            <a:r>
+              <a:rPr lang="zh-CN" altLang="en-US" sz="4400" dirty="0">
+                <a:solidFill>
+                  <a:schemeClr val="bg1"/>
+                </a:solidFill>
+                <a:effectLst>
+                  <a:outerShdw blurRad="38100" dist="38100" dir="2700000" algn="tl">
+                    <a:srgbClr val="000000">
+                      <a:alpha val="43137"/>
+                    </a:srgbClr>
+                  </a:outerShdw>
+                </a:effectLst>
+                <a:latin typeface="+mj-lt"/>
+                <a:cs typeface="Arial" panose="020B0604020202020204" pitchFamily="34" charset="0"/>
+              </a:rPr>
+              <a:t>目录</a:t>
+            </a:r>
+          </a:p>
+        </p:txBody>
+      </p:sp>
+      <p:sp>
+        <p:nvSpPr>
+          <p:cNvPr id="3" name="文本框 2"/>
+          <p:cNvSpPr txBox="1"/>
+          <p:nvPr/>
+        </p:nvSpPr>
+        <p:spPr>
+          <a:xfrm>
+            <a:off x="4051247" y="1589947"/>
+            <a:ext cx="3992245" cy="521970"/>
+          </a:xfrm>
+          <a:prstGeom prst="rect">
+            <a:avLst/>
+          </a:prstGeom>
+          <a:noFill/>
+        </p:spPr>
+        <p:txBody>
+          <a:bodyPr wrap="square" rtlCol="0">
+            <a:spAutoFit/>
+          </a:bodyPr>
+          <a:lstStyle/>
+          <a:p>
+            <a:r>
+              <a:rPr lang="en-US" altLang="zh-CN" sz="2800" b="1" dirty="0">
+                <a:solidFill>
+                  <a:schemeClr val="tx1"/>
+                </a:solidFill>
+                <a:uFillTx/>
+                <a:latin typeface="SimHei" panose="02010609060101010101" pitchFamily="49" charset="-122"/>
+                <a:ea typeface="SimHei" panose="02010609060101010101" pitchFamily="49" charset="-122"/>
+              </a:rPr>
+              <a:t>1.</a:t>
+            </a:r>
+            <a:r>
+              <a:rPr lang="en-US" altLang="zh-CN" sz="2800" b="1" dirty="0">
+                <a:latin typeface="SimHei" panose="02010609060101010101" pitchFamily="49" charset="-122"/>
+                <a:ea typeface="SimHei" panose="02010609060101010101" pitchFamily="49" charset="-122"/>
+              </a:rPr>
+              <a:t>UML</a:t>
+            </a:r>
+            <a:r>
+              <a:rPr lang="zh-CN" altLang="en-US" sz="2800" b="1" dirty="0">
+                <a:latin typeface="SimHei" panose="02010609060101010101" pitchFamily="49" charset="-122"/>
+                <a:ea typeface="SimHei" panose="02010609060101010101" pitchFamily="49" charset="-122"/>
+              </a:rPr>
+              <a:t>介绍</a:t>
+            </a:r>
+            <a:endParaRPr lang="zh-CN" altLang="en-US" sz="2800" b="1" dirty="0">
+              <a:solidFill>
+                <a:schemeClr val="tx1"/>
+              </a:solidFill>
+              <a:uFillTx/>
+              <a:latin typeface="SimHei" panose="02010609060101010101" pitchFamily="49" charset="-122"/>
+              <a:ea typeface="SimHei" panose="02010609060101010101" pitchFamily="49" charset="-122"/>
+            </a:endParaRPr>
+          </a:p>
+        </p:txBody>
+      </p:sp>
+      <p:sp>
+        <p:nvSpPr>
+          <p:cNvPr id="10" name="文本框 9"/>
+          <p:cNvSpPr txBox="1"/>
+          <p:nvPr/>
+        </p:nvSpPr>
+        <p:spPr>
+          <a:xfrm>
+            <a:off x="4099877" y="2531392"/>
+            <a:ext cx="3992245" cy="521970"/>
+          </a:xfrm>
+          <a:prstGeom prst="rect">
+            <a:avLst/>
+          </a:prstGeom>
+          <a:noFill/>
+        </p:spPr>
+        <p:txBody>
+          <a:bodyPr wrap="square" rtlCol="0">
+            <a:spAutoFit/>
+          </a:bodyPr>
+          <a:lstStyle/>
+          <a:p>
+            <a:r>
+              <a:rPr lang="en-US" altLang="zh-CN" sz="2800" b="1" dirty="0">
+                <a:latin typeface="SimHei" panose="02010609060101010101" pitchFamily="49" charset="-122"/>
+                <a:ea typeface="SimHei" panose="02010609060101010101" pitchFamily="49" charset="-122"/>
+              </a:rPr>
+              <a:t>2.UML</a:t>
+            </a:r>
+            <a:r>
+              <a:rPr lang="zh-CN" altLang="en-US" sz="2800" b="1" dirty="0">
+                <a:latin typeface="SimHei" panose="02010609060101010101" pitchFamily="49" charset="-122"/>
+                <a:ea typeface="SimHei" panose="02010609060101010101" pitchFamily="49" charset="-122"/>
+              </a:rPr>
+              <a:t>综合应用</a:t>
+            </a:r>
+          </a:p>
+        </p:txBody>
+      </p:sp>
+      <p:sp>
+        <p:nvSpPr>
+          <p:cNvPr id="11" name="文本框 10"/>
+          <p:cNvSpPr txBox="1"/>
+          <p:nvPr/>
+        </p:nvSpPr>
+        <p:spPr>
+          <a:xfrm>
+            <a:off x="4099877" y="3588989"/>
+            <a:ext cx="3992245" cy="523220"/>
+          </a:xfrm>
+          <a:prstGeom prst="rect">
+            <a:avLst/>
+          </a:prstGeom>
+          <a:noFill/>
+        </p:spPr>
+        <p:txBody>
+          <a:bodyPr wrap="square" rtlCol="0">
+            <a:spAutoFit/>
+          </a:bodyPr>
+          <a:lstStyle/>
+          <a:p>
+            <a:r>
+              <a:rPr lang="en-US" altLang="zh-CN" sz="2800" b="1" dirty="0">
+                <a:latin typeface="SimHei" panose="02010609060101010101" pitchFamily="49" charset="-122"/>
+                <a:ea typeface="SimHei" panose="02010609060101010101" pitchFamily="49" charset="-122"/>
+              </a:rPr>
+              <a:t>3.</a:t>
+            </a:r>
+            <a:r>
+              <a:rPr lang="zh-CN" altLang="en-US" sz="2800" b="1" dirty="0">
+                <a:latin typeface="SimHei" panose="02010609060101010101" pitchFamily="49" charset="-122"/>
+                <a:ea typeface="SimHei" panose="02010609060101010101" pitchFamily="49" charset="-122"/>
+              </a:rPr>
+              <a:t>问题解答</a:t>
+            </a:r>
+            <a:endParaRPr lang="en-US" altLang="zh-CN" sz="2800" b="1" dirty="0">
+              <a:latin typeface="SimHei" panose="02010609060101010101" pitchFamily="49" charset="-122"/>
+              <a:ea typeface="SimHei" panose="02010609060101010101" pitchFamily="49" charset="-122"/>
+            </a:endParaRPr>
+          </a:p>
+        </p:txBody>
+      </p:sp>
+    </p:spTree>
+  </p:cSld>
+  <p:clrMapOvr>
+    <a:masterClrMapping/>
+  </p:clrMapOvr>
+</p:sld>
+</file>
+
+<file path=ppt/slides/slide20.xml><?xml version="1.0" encoding="utf-8"?>
 <p:sld xmlns:a="http://schemas.openxmlformats.org/drawingml/2006/main" xmlns:r="http://schemas.openxmlformats.org/officeDocument/2006/relationships" xmlns:p="http://schemas.openxmlformats.org/presentationml/2006/main">
   <p:cSld>
     <p:spTree>
@@ -9088,315 +10082,7 @@
 </p:sld>
 </file>
 
-<file path=ppt/slides/slide2.xml><?xml version="1.0" encoding="utf-8"?>
-<p:sld xmlns:a="http://schemas.openxmlformats.org/drawingml/2006/main" xmlns:r="http://schemas.openxmlformats.org/officeDocument/2006/relationships" xmlns:p="http://schemas.openxmlformats.org/presentationml/2006/main">
-  <p:cSld>
-    <p:spTree>
-      <p:nvGrpSpPr>
-        <p:cNvPr id="1" name=""/>
-        <p:cNvGrpSpPr/>
-        <p:nvPr/>
-      </p:nvGrpSpPr>
-      <p:grpSpPr>
-        <a:xfrm>
-          <a:off x="0" y="0"/>
-          <a:ext cx="0" cy="0"/>
-          <a:chOff x="0" y="0"/>
-          <a:chExt cx="0" cy="0"/>
-        </a:xfrm>
-      </p:grpSpPr>
-      <p:sp>
-        <p:nvSpPr>
-          <p:cNvPr id="24" name="椭圆 23"/>
-          <p:cNvSpPr/>
-          <p:nvPr/>
-        </p:nvSpPr>
-        <p:spPr>
-          <a:xfrm>
-            <a:off x="692952" y="137876"/>
-            <a:ext cx="713428" cy="713428"/>
-          </a:xfrm>
-          <a:prstGeom prst="ellipse">
-            <a:avLst/>
-          </a:prstGeom>
-          <a:solidFill>
-            <a:srgbClr val="6C92C0">
-              <a:alpha val="70000"/>
-            </a:srgbClr>
-          </a:solidFill>
-          <a:ln>
-            <a:noFill/>
-          </a:ln>
-        </p:spPr>
-        <p:style>
-          <a:lnRef idx="2">
-            <a:schemeClr val="accent1">
-              <a:shade val="50000"/>
-            </a:schemeClr>
-          </a:lnRef>
-          <a:fillRef idx="1">
-            <a:schemeClr val="accent1"/>
-          </a:fillRef>
-          <a:effectRef idx="0">
-            <a:schemeClr val="accent1"/>
-          </a:effectRef>
-          <a:fontRef idx="minor">
-            <a:schemeClr val="lt1"/>
-          </a:fontRef>
-        </p:style>
-        <p:txBody>
-          <a:bodyPr rtlCol="0" anchor="ctr"/>
-          <a:lstStyle/>
-          <a:p>
-            <a:pPr algn="ctr"/>
-            <a:endParaRPr lang="zh-CN" altLang="en-US"/>
-          </a:p>
-        </p:txBody>
-      </p:sp>
-      <p:sp>
-        <p:nvSpPr>
-          <p:cNvPr id="23" name="椭圆 22"/>
-          <p:cNvSpPr/>
-          <p:nvPr/>
-        </p:nvSpPr>
-        <p:spPr>
-          <a:xfrm>
-            <a:off x="804058" y="70952"/>
-            <a:ext cx="2453640" cy="2453640"/>
-          </a:xfrm>
-          <a:prstGeom prst="ellipse">
-            <a:avLst/>
-          </a:prstGeom>
-          <a:solidFill>
-            <a:srgbClr val="48A2A0">
-              <a:alpha val="70000"/>
-            </a:srgbClr>
-          </a:solidFill>
-          <a:ln>
-            <a:noFill/>
-          </a:ln>
-        </p:spPr>
-        <p:style>
-          <a:lnRef idx="2">
-            <a:schemeClr val="accent1">
-              <a:shade val="50000"/>
-            </a:schemeClr>
-          </a:lnRef>
-          <a:fillRef idx="1">
-            <a:schemeClr val="accent1"/>
-          </a:fillRef>
-          <a:effectRef idx="0">
-            <a:schemeClr val="accent1"/>
-          </a:effectRef>
-          <a:fontRef idx="minor">
-            <a:schemeClr val="lt1"/>
-          </a:fontRef>
-        </p:style>
-        <p:txBody>
-          <a:bodyPr rtlCol="0" anchor="ctr"/>
-          <a:lstStyle/>
-          <a:p>
-            <a:pPr algn="ctr"/>
-            <a:endParaRPr lang="zh-CN" altLang="en-US"/>
-          </a:p>
-        </p:txBody>
-      </p:sp>
-      <p:sp>
-        <p:nvSpPr>
-          <p:cNvPr id="2" name="MH_Others_1"/>
-          <p:cNvSpPr txBox="1"/>
-          <p:nvPr>
-            <p:custDataLst>
-              <p:tags r:id="rId1"/>
-            </p:custDataLst>
-          </p:nvPr>
-        </p:nvSpPr>
-        <p:spPr>
-          <a:xfrm>
-            <a:off x="95780" y="851304"/>
-            <a:ext cx="3955467" cy="847938"/>
-          </a:xfrm>
-          <a:prstGeom prst="rect">
-            <a:avLst/>
-          </a:prstGeom>
-          <a:noFill/>
-        </p:spPr>
-        <p:txBody>
-          <a:bodyPr wrap="square" rtlCol="0">
-            <a:noAutofit/>
-          </a:bodyPr>
-          <a:lstStyle/>
-          <a:p>
-            <a:pPr algn="ctr"/>
-            <a:r>
-              <a:rPr lang="zh-CN" altLang="en-US" sz="4400" dirty="0">
-                <a:solidFill>
-                  <a:schemeClr val="bg1"/>
-                </a:solidFill>
-                <a:effectLst>
-                  <a:outerShdw blurRad="38100" dist="38100" dir="2700000" algn="tl">
-                    <a:srgbClr val="000000">
-                      <a:alpha val="43137"/>
-                    </a:srgbClr>
-                  </a:outerShdw>
-                </a:effectLst>
-                <a:latin typeface="+mj-lt"/>
-                <a:cs typeface="Arial" panose="020B0604020202020204" pitchFamily="34" charset="0"/>
-              </a:rPr>
-              <a:t>目录</a:t>
-            </a:r>
-          </a:p>
-        </p:txBody>
-      </p:sp>
-      <p:sp>
-        <p:nvSpPr>
-          <p:cNvPr id="3" name="文本框 2"/>
-          <p:cNvSpPr txBox="1"/>
-          <p:nvPr/>
-        </p:nvSpPr>
-        <p:spPr>
-          <a:xfrm>
-            <a:off x="4051247" y="1589947"/>
-            <a:ext cx="3992245" cy="521970"/>
-          </a:xfrm>
-          <a:prstGeom prst="rect">
-            <a:avLst/>
-          </a:prstGeom>
-          <a:noFill/>
-        </p:spPr>
-        <p:txBody>
-          <a:bodyPr wrap="square" rtlCol="0">
-            <a:spAutoFit/>
-          </a:bodyPr>
-          <a:lstStyle/>
-          <a:p>
-            <a:r>
-              <a:rPr lang="en-US" altLang="zh-CN" sz="2800" b="1" dirty="0">
-                <a:solidFill>
-                  <a:schemeClr val="tx1"/>
-                </a:solidFill>
-                <a:uFillTx/>
-                <a:latin typeface="SimHei" panose="02010609060101010101" pitchFamily="49" charset="-122"/>
-                <a:ea typeface="SimHei" panose="02010609060101010101" pitchFamily="49" charset="-122"/>
-              </a:rPr>
-              <a:t>1.</a:t>
-            </a:r>
-            <a:r>
-              <a:rPr lang="en-US" altLang="zh-CN" sz="2800" b="1" dirty="0">
-                <a:latin typeface="SimHei" panose="02010609060101010101" pitchFamily="49" charset="-122"/>
-                <a:ea typeface="SimHei" panose="02010609060101010101" pitchFamily="49" charset="-122"/>
-              </a:rPr>
-              <a:t>UML</a:t>
-            </a:r>
-            <a:r>
-              <a:rPr lang="zh-CN" altLang="en-US" sz="2800" b="1" dirty="0">
-                <a:latin typeface="SimHei" panose="02010609060101010101" pitchFamily="49" charset="-122"/>
-                <a:ea typeface="SimHei" panose="02010609060101010101" pitchFamily="49" charset="-122"/>
-              </a:rPr>
-              <a:t>介绍</a:t>
-            </a:r>
-            <a:endParaRPr lang="zh-CN" altLang="en-US" sz="2800" b="1" dirty="0">
-              <a:solidFill>
-                <a:schemeClr val="tx1"/>
-              </a:solidFill>
-              <a:uFillTx/>
-              <a:latin typeface="SimHei" panose="02010609060101010101" pitchFamily="49" charset="-122"/>
-              <a:ea typeface="SimHei" panose="02010609060101010101" pitchFamily="49" charset="-122"/>
-            </a:endParaRPr>
-          </a:p>
-        </p:txBody>
-      </p:sp>
-      <p:sp>
-        <p:nvSpPr>
-          <p:cNvPr id="10" name="文本框 9"/>
-          <p:cNvSpPr txBox="1"/>
-          <p:nvPr/>
-        </p:nvSpPr>
-        <p:spPr>
-          <a:xfrm>
-            <a:off x="4099877" y="2531392"/>
-            <a:ext cx="3992245" cy="521970"/>
-          </a:xfrm>
-          <a:prstGeom prst="rect">
-            <a:avLst/>
-          </a:prstGeom>
-          <a:noFill/>
-        </p:spPr>
-        <p:txBody>
-          <a:bodyPr wrap="square" rtlCol="0">
-            <a:spAutoFit/>
-          </a:bodyPr>
-          <a:lstStyle/>
-          <a:p>
-            <a:r>
-              <a:rPr lang="en-US" altLang="zh-CN" sz="2800" b="1" dirty="0">
-                <a:latin typeface="SimHei" panose="02010609060101010101" pitchFamily="49" charset="-122"/>
-                <a:ea typeface="SimHei" panose="02010609060101010101" pitchFamily="49" charset="-122"/>
-              </a:rPr>
-              <a:t>2.UML</a:t>
-            </a:r>
-            <a:r>
-              <a:rPr lang="zh-CN" altLang="en-US" sz="2800" b="1" dirty="0">
-                <a:latin typeface="SimHei" panose="02010609060101010101" pitchFamily="49" charset="-122"/>
-                <a:ea typeface="SimHei" panose="02010609060101010101" pitchFamily="49" charset="-122"/>
-              </a:rPr>
-              <a:t>综合应用</a:t>
-            </a:r>
-          </a:p>
-        </p:txBody>
-      </p:sp>
-      <p:sp>
-        <p:nvSpPr>
-          <p:cNvPr id="11" name="文本框 10"/>
-          <p:cNvSpPr txBox="1"/>
-          <p:nvPr/>
-        </p:nvSpPr>
-        <p:spPr>
-          <a:xfrm>
-            <a:off x="4099877" y="3588989"/>
-            <a:ext cx="3992245" cy="523220"/>
-          </a:xfrm>
-          <a:prstGeom prst="rect">
-            <a:avLst/>
-          </a:prstGeom>
-          <a:noFill/>
-        </p:spPr>
-        <p:txBody>
-          <a:bodyPr wrap="square" rtlCol="0">
-            <a:spAutoFit/>
-          </a:bodyPr>
-          <a:lstStyle/>
-          <a:p>
-            <a:r>
-              <a:rPr lang="en-US" altLang="zh-CN" sz="2800" b="1" dirty="0">
-                <a:latin typeface="SimHei" panose="02010609060101010101" pitchFamily="49" charset="-122"/>
-                <a:ea typeface="SimHei" panose="02010609060101010101" pitchFamily="49" charset="-122"/>
-              </a:rPr>
-              <a:t>3.</a:t>
-            </a:r>
-            <a:r>
-              <a:rPr lang="zh-CN" altLang="en-US" sz="2800" b="1" dirty="0">
-                <a:latin typeface="SimHei" panose="02010609060101010101" pitchFamily="49" charset="-122"/>
-                <a:ea typeface="SimHei" panose="02010609060101010101" pitchFamily="49" charset="-122"/>
-              </a:rPr>
-              <a:t>问题解答</a:t>
-            </a:r>
-            <a:endParaRPr lang="en-US" altLang="zh-CN" sz="2800" b="1" dirty="0">
-              <a:latin typeface="SimHei" panose="02010609060101010101" pitchFamily="49" charset="-122"/>
-              <a:ea typeface="SimHei" panose="02010609060101010101" pitchFamily="49" charset="-122"/>
-            </a:endParaRPr>
-          </a:p>
-        </p:txBody>
-      </p:sp>
-    </p:spTree>
-  </p:cSld>
-  <p:clrMapOvr>
-    <a:masterClrMapping/>
-  </p:clrMapOvr>
-</p:sld>
-</file>
-
-<file path=ppt/slides/slide20.xml><?xml version="1.0" encoding="utf-8"?>
+<file path=ppt/slides/slide21.xml><?xml version="1.0" encoding="utf-8"?>
 <p:sld xmlns:a="http://schemas.openxmlformats.org/drawingml/2006/main" xmlns:r="http://schemas.openxmlformats.org/officeDocument/2006/relationships" xmlns:p="http://schemas.openxmlformats.org/presentationml/2006/main">
   <p:cSld>
     <p:spTree>

--- a/2018-12-16/[PRD-15]UML基础IIII.pptx
+++ b/2018-12-16/[PRD-15]UML基础IIII.pptx
@@ -217,7 +217,7 @@
           <a:p>
             <a:fld id="{85E965D1-5AFF-481E-87DD-1D4AA0E16118}" type="datetimeFigureOut">
               <a:rPr lang="zh-CN" altLang="en-US" smtClean="0"/>
-              <a:t>2018/12/25</a:t>
+              <a:t>2018/12/26</a:t>
             </a:fld>
             <a:endParaRPr lang="zh-CN" altLang="en-US"/>
           </a:p>
@@ -2093,7 +2093,7 @@
           <a:p>
             <a:fld id="{AEB61CDC-E34C-4601-928D-92E01F26597B}" type="datetimeFigureOut">
               <a:rPr lang="zh-CN" altLang="en-US" smtClean="0"/>
-              <a:t>2018/12/25</a:t>
+              <a:t>2018/12/26</a:t>
             </a:fld>
             <a:endParaRPr lang="zh-CN" altLang="en-US"/>
           </a:p>
@@ -2291,7 +2291,7 @@
           <a:p>
             <a:fld id="{AEB61CDC-E34C-4601-928D-92E01F26597B}" type="datetimeFigureOut">
               <a:rPr lang="zh-CN" altLang="en-US" smtClean="0"/>
-              <a:t>2018/12/25</a:t>
+              <a:t>2018/12/26</a:t>
             </a:fld>
             <a:endParaRPr lang="zh-CN" altLang="en-US"/>
           </a:p>
@@ -2499,7 +2499,7 @@
           <a:p>
             <a:fld id="{AEB61CDC-E34C-4601-928D-92E01F26597B}" type="datetimeFigureOut">
               <a:rPr lang="zh-CN" altLang="en-US" smtClean="0"/>
-              <a:t>2018/12/25</a:t>
+              <a:t>2018/12/26</a:t>
             </a:fld>
             <a:endParaRPr lang="zh-CN" altLang="en-US"/>
           </a:p>
@@ -2727,7 +2727,7 @@
           <a:p>
             <a:fld id="{AEB61CDC-E34C-4601-928D-92E01F26597B}" type="datetimeFigureOut">
               <a:rPr lang="zh-CN" altLang="en-US" smtClean="0"/>
-              <a:t>2018/12/25</a:t>
+              <a:t>2018/12/26</a:t>
             </a:fld>
             <a:endParaRPr lang="zh-CN" altLang="en-US"/>
           </a:p>
@@ -3002,7 +3002,7 @@
           <a:p>
             <a:fld id="{AEB61CDC-E34C-4601-928D-92E01F26597B}" type="datetimeFigureOut">
               <a:rPr lang="zh-CN" altLang="en-US" smtClean="0"/>
-              <a:t>2018/12/25</a:t>
+              <a:t>2018/12/26</a:t>
             </a:fld>
             <a:endParaRPr lang="zh-CN" altLang="en-US"/>
           </a:p>
@@ -3267,7 +3267,7 @@
           <a:p>
             <a:fld id="{AEB61CDC-E34C-4601-928D-92E01F26597B}" type="datetimeFigureOut">
               <a:rPr lang="zh-CN" altLang="en-US" smtClean="0"/>
-              <a:t>2018/12/25</a:t>
+              <a:t>2018/12/26</a:t>
             </a:fld>
             <a:endParaRPr lang="zh-CN" altLang="en-US"/>
           </a:p>
@@ -3679,7 +3679,7 @@
           <a:p>
             <a:fld id="{AEB61CDC-E34C-4601-928D-92E01F26597B}" type="datetimeFigureOut">
               <a:rPr lang="zh-CN" altLang="en-US" smtClean="0"/>
-              <a:t>2018/12/25</a:t>
+              <a:t>2018/12/26</a:t>
             </a:fld>
             <a:endParaRPr lang="zh-CN" altLang="en-US"/>
           </a:p>
@@ -3820,7 +3820,7 @@
           <a:p>
             <a:fld id="{AEB61CDC-E34C-4601-928D-92E01F26597B}" type="datetimeFigureOut">
               <a:rPr lang="zh-CN" altLang="en-US" smtClean="0"/>
-              <a:t>2018/12/25</a:t>
+              <a:t>2018/12/26</a:t>
             </a:fld>
             <a:endParaRPr lang="zh-CN" altLang="en-US"/>
           </a:p>
@@ -3933,7 +3933,7 @@
           <a:p>
             <a:fld id="{AEB61CDC-E34C-4601-928D-92E01F26597B}" type="datetimeFigureOut">
               <a:rPr lang="zh-CN" altLang="en-US" smtClean="0"/>
-              <a:t>2018/12/25</a:t>
+              <a:t>2018/12/26</a:t>
             </a:fld>
             <a:endParaRPr lang="zh-CN" altLang="en-US"/>
           </a:p>
@@ -4244,7 +4244,7 @@
           <a:p>
             <a:fld id="{AEB61CDC-E34C-4601-928D-92E01F26597B}" type="datetimeFigureOut">
               <a:rPr lang="zh-CN" altLang="en-US" smtClean="0"/>
-              <a:t>2018/12/25</a:t>
+              <a:t>2018/12/26</a:t>
             </a:fld>
             <a:endParaRPr lang="zh-CN" altLang="en-US"/>
           </a:p>
@@ -4532,7 +4532,7 @@
           <a:p>
             <a:fld id="{AEB61CDC-E34C-4601-928D-92E01F26597B}" type="datetimeFigureOut">
               <a:rPr lang="zh-CN" altLang="en-US" smtClean="0"/>
-              <a:t>2018/12/25</a:t>
+              <a:t>2018/12/26</a:t>
             </a:fld>
             <a:endParaRPr lang="zh-CN" altLang="en-US"/>
           </a:p>
@@ -4773,7 +4773,7 @@
           <a:p>
             <a:fld id="{AEB61CDC-E34C-4601-928D-92E01F26597B}" type="datetimeFigureOut">
               <a:rPr lang="zh-CN" altLang="en-US" smtClean="0"/>
-              <a:t>2018/12/25</a:t>
+              <a:t>2018/12/26</a:t>
             </a:fld>
             <a:endParaRPr lang="zh-CN" altLang="en-US"/>
           </a:p>
@@ -9427,7 +9427,7 @@
         </p:nvSpPr>
         <p:spPr>
           <a:xfrm>
-            <a:off x="4051247" y="1589947"/>
+            <a:off x="4099876" y="1821603"/>
             <a:ext cx="3992245" cy="521970"/>
           </a:xfrm>
           <a:prstGeom prst="rect">
@@ -9524,7 +9524,7 @@
         </p:nvSpPr>
         <p:spPr>
           <a:xfrm>
-            <a:off x="4099877" y="3588989"/>
+            <a:off x="4099876" y="3429000"/>
             <a:ext cx="3992245" cy="523220"/>
           </a:xfrm>
           <a:prstGeom prst="rect">
@@ -9551,6 +9551,55 @@
                 <a:ea typeface="SimHei" panose="02010609060101010101" pitchFamily="49" charset="-122"/>
               </a:rPr>
               <a:t>问题解答</a:t>
+            </a:r>
+            <a:endParaRPr lang="en-US" altLang="zh-CN" sz="2800" b="1" dirty="0">
+              <a:latin typeface="SimHei" panose="02010609060101010101" pitchFamily="49" charset="-122"/>
+              <a:ea typeface="SimHei" panose="02010609060101010101" pitchFamily="49" charset="-122"/>
+            </a:endParaRPr>
+          </a:p>
+        </p:txBody>
+      </p:sp>
+      <p:sp>
+        <p:nvSpPr>
+          <p:cNvPr id="8" name="文本框 7">
+            <a:extLst>
+              <a:ext uri="{FF2B5EF4-FFF2-40B4-BE49-F238E27FC236}">
+                <a16:creationId xmlns:a16="http://schemas.microsoft.com/office/drawing/2014/main" id="{2A82DABC-50C0-4C3C-9C30-AAC8AD0017D1}"/>
+              </a:ext>
+            </a:extLst>
+          </p:cNvPr>
+          <p:cNvSpPr txBox="1"/>
+          <p:nvPr/>
+        </p:nvSpPr>
+        <p:spPr>
+          <a:xfrm>
+            <a:off x="4099876" y="4174939"/>
+            <a:ext cx="3992245" cy="523220"/>
+          </a:xfrm>
+          <a:prstGeom prst="rect">
+            <a:avLst/>
+          </a:prstGeom>
+          <a:noFill/>
+        </p:spPr>
+        <p:txBody>
+          <a:bodyPr wrap="square" rtlCol="0">
+            <a:spAutoFit/>
+          </a:bodyPr>
+          <a:lstStyle/>
+          <a:p>
+            <a:r>
+              <a:rPr lang="en-US" altLang="zh-CN" sz="2800" b="1" dirty="0">
+                <a:latin typeface="SimHei" panose="02010609060101010101" pitchFamily="49" charset="-122"/>
+                <a:ea typeface="SimHei" panose="02010609060101010101" pitchFamily="49" charset="-122"/>
+              </a:rPr>
+              <a:t>4.</a:t>
+            </a:r>
+            <a:r>
+              <a:rPr lang="zh-CN" altLang="en-US" sz="2800" b="1" dirty="0">
+                <a:latin typeface="SimHei" panose="02010609060101010101" pitchFamily="49" charset="-122"/>
+                <a:ea typeface="SimHei" panose="02010609060101010101" pitchFamily="49" charset="-122"/>
+              </a:rPr>
+              <a:t>绩效考核</a:t>
             </a:r>
             <a:endParaRPr lang="en-US" altLang="zh-CN" sz="2800" b="1" dirty="0">
               <a:latin typeface="SimHei" panose="02010609060101010101" pitchFamily="49" charset="-122"/>
